--- a/make_presentation/templates/templates/classic/_48.pptx
+++ b/make_presentation/templates/templates/classic/_48.pptx
@@ -339,7 +339,7 @@
             <a:pPr algn="r">
               <a:buNone/>
             </a:pPr>
-            <a:fld id="{FE872DB6-5B75-42CB-9069-F7BF4858DA0E}" type="slidenum">
+            <a:fld id="{961C6F2E-2A92-4E25-A18F-AD86FE394CEF}" type="slidenum">
               <a:rPr b="0" lang="en-US" sz="1400" spc="-1" strike="noStrike">
                 <a:latin typeface="Times New Roman"/>
               </a:rPr>
@@ -387,7 +387,7 @@
         <p:spPr>
           <a:xfrm>
             <a:off x="380880" y="685800"/>
-            <a:ext cx="6090480" cy="3423600"/>
+            <a:ext cx="6090120" cy="3423240"/>
           </a:xfrm>
           <a:prstGeom prst="rect">
             <a:avLst/>
@@ -410,7 +410,7 @@
         <p:spPr>
           <a:xfrm>
             <a:off x="685800" y="4343400"/>
-            <a:ext cx="5481000" cy="4109400"/>
+            <a:ext cx="5480640" cy="4109040"/>
           </a:xfrm>
           <a:prstGeom prst="rect">
             <a:avLst/>
@@ -444,7 +444,7 @@
         <p:spPr>
           <a:xfrm>
             <a:off x="3884760" y="8685360"/>
-            <a:ext cx="2966400" cy="451800"/>
+            <a:ext cx="2966040" cy="451440"/>
           </a:xfrm>
           <a:prstGeom prst="rect">
             <a:avLst/>
@@ -480,7 +480,7 @@
               </a:lnSpc>
               <a:buNone/>
             </a:pPr>
-            <a:fld id="{B04CCF27-2388-4592-A890-F0FDF015F601}" type="slidenum">
+            <a:fld id="{A190658C-4A34-4D1D-8737-54B0E1F89DF6}" type="slidenum">
               <a:rPr b="0" lang="en-US" sz="1200" spc="-1" strike="noStrike">
                 <a:solidFill>
                   <a:srgbClr val="000000"/>
@@ -531,7 +531,7 @@
         <p:spPr>
           <a:xfrm>
             <a:off x="380880" y="685800"/>
-            <a:ext cx="6090480" cy="3423600"/>
+            <a:ext cx="6090120" cy="3423240"/>
           </a:xfrm>
           <a:prstGeom prst="rect">
             <a:avLst/>
@@ -554,7 +554,7 @@
         <p:spPr>
           <a:xfrm>
             <a:off x="685800" y="4343400"/>
-            <a:ext cx="5481000" cy="4109400"/>
+            <a:ext cx="5480640" cy="4109040"/>
           </a:xfrm>
           <a:prstGeom prst="rect">
             <a:avLst/>
@@ -588,7 +588,7 @@
         <p:spPr>
           <a:xfrm>
             <a:off x="3884760" y="8685360"/>
-            <a:ext cx="2966400" cy="451800"/>
+            <a:ext cx="2966040" cy="451440"/>
           </a:xfrm>
           <a:prstGeom prst="rect">
             <a:avLst/>
@@ -624,7 +624,7 @@
               </a:lnSpc>
               <a:buNone/>
             </a:pPr>
-            <a:fld id="{F3C36A37-7D3D-40EB-8022-7E33314C6367}" type="slidenum">
+            <a:fld id="{B1196B92-832C-40A6-BD33-190CA9352405}" type="slidenum">
               <a:rPr b="0" lang="en-US" sz="1200" spc="-1" strike="noStrike">
                 <a:solidFill>
                   <a:srgbClr val="000000"/>
@@ -675,7 +675,7 @@
         <p:spPr>
           <a:xfrm>
             <a:off x="380880" y="685800"/>
-            <a:ext cx="6090480" cy="3423600"/>
+            <a:ext cx="6090120" cy="3423240"/>
           </a:xfrm>
           <a:prstGeom prst="rect">
             <a:avLst/>
@@ -698,7 +698,7 @@
         <p:spPr>
           <a:xfrm>
             <a:off x="685800" y="4343400"/>
-            <a:ext cx="5481000" cy="4109400"/>
+            <a:ext cx="5480640" cy="4109040"/>
           </a:xfrm>
           <a:prstGeom prst="rect">
             <a:avLst/>
@@ -732,7 +732,7 @@
         <p:spPr>
           <a:xfrm>
             <a:off x="3884760" y="8685360"/>
-            <a:ext cx="2966400" cy="451800"/>
+            <a:ext cx="2966040" cy="451440"/>
           </a:xfrm>
           <a:prstGeom prst="rect">
             <a:avLst/>
@@ -768,7 +768,7 @@
               </a:lnSpc>
               <a:buNone/>
             </a:pPr>
-            <a:fld id="{6983712F-870A-4D8D-A254-8F240B603633}" type="slidenum">
+            <a:fld id="{B45336A3-5644-4A94-866E-8779C1226A77}" type="slidenum">
               <a:rPr b="0" lang="en-US" sz="1200" spc="-1" strike="noStrike">
                 <a:solidFill>
                   <a:srgbClr val="000000"/>
@@ -819,7 +819,7 @@
         <p:spPr>
           <a:xfrm>
             <a:off x="380880" y="685800"/>
-            <a:ext cx="6090480" cy="3423600"/>
+            <a:ext cx="6090120" cy="3423240"/>
           </a:xfrm>
           <a:prstGeom prst="rect">
             <a:avLst/>
@@ -842,7 +842,7 @@
         <p:spPr>
           <a:xfrm>
             <a:off x="685800" y="4343400"/>
-            <a:ext cx="5481000" cy="4109400"/>
+            <a:ext cx="5480640" cy="4109040"/>
           </a:xfrm>
           <a:prstGeom prst="rect">
             <a:avLst/>
@@ -876,7 +876,7 @@
         <p:spPr>
           <a:xfrm>
             <a:off x="3884760" y="8685360"/>
-            <a:ext cx="2966400" cy="451800"/>
+            <a:ext cx="2966040" cy="451440"/>
           </a:xfrm>
           <a:prstGeom prst="rect">
             <a:avLst/>
@@ -912,7 +912,7 @@
               </a:lnSpc>
               <a:buNone/>
             </a:pPr>
-            <a:fld id="{2EABDDCB-1E34-4F52-B5D9-9513A9920486}" type="slidenum">
+            <a:fld id="{7263A8A6-963B-48FE-AB8A-B380F4C85102}" type="slidenum">
               <a:rPr b="0" lang="en-US" sz="1200" spc="-1" strike="noStrike">
                 <a:solidFill>
                   <a:srgbClr val="000000"/>
@@ -963,7 +963,7 @@
         <p:spPr>
           <a:xfrm>
             <a:off x="380880" y="685800"/>
-            <a:ext cx="6090480" cy="3423600"/>
+            <a:ext cx="6090120" cy="3423240"/>
           </a:xfrm>
           <a:prstGeom prst="rect">
             <a:avLst/>
@@ -986,7 +986,7 @@
         <p:spPr>
           <a:xfrm>
             <a:off x="685800" y="4343400"/>
-            <a:ext cx="5481000" cy="4109400"/>
+            <a:ext cx="5480640" cy="4109040"/>
           </a:xfrm>
           <a:prstGeom prst="rect">
             <a:avLst/>
@@ -1020,7 +1020,7 @@
         <p:spPr>
           <a:xfrm>
             <a:off x="3884760" y="8685360"/>
-            <a:ext cx="2966400" cy="451800"/>
+            <a:ext cx="2966040" cy="451440"/>
           </a:xfrm>
           <a:prstGeom prst="rect">
             <a:avLst/>
@@ -1056,7 +1056,7 @@
               </a:lnSpc>
               <a:buNone/>
             </a:pPr>
-            <a:fld id="{06F93868-7DF2-4F85-B7F4-A817A8ED85AB}" type="slidenum">
+            <a:fld id="{D88CDA2C-FC96-47AC-B5C2-98BA1643252F}" type="slidenum">
               <a:rPr b="0" lang="en-US" sz="1200" spc="-1" strike="noStrike">
                 <a:solidFill>
                   <a:srgbClr val="000000"/>
@@ -1107,7 +1107,7 @@
         <p:spPr>
           <a:xfrm>
             <a:off x="380880" y="685800"/>
-            <a:ext cx="6090480" cy="3423600"/>
+            <a:ext cx="6090120" cy="3423240"/>
           </a:xfrm>
           <a:prstGeom prst="rect">
             <a:avLst/>
@@ -1130,7 +1130,7 @@
         <p:spPr>
           <a:xfrm>
             <a:off x="685800" y="4343400"/>
-            <a:ext cx="5481000" cy="4109400"/>
+            <a:ext cx="5480640" cy="4109040"/>
           </a:xfrm>
           <a:prstGeom prst="rect">
             <a:avLst/>
@@ -1164,7 +1164,7 @@
         <p:spPr>
           <a:xfrm>
             <a:off x="3884760" y="8685360"/>
-            <a:ext cx="2966400" cy="451800"/>
+            <a:ext cx="2966040" cy="451440"/>
           </a:xfrm>
           <a:prstGeom prst="rect">
             <a:avLst/>
@@ -1200,7 +1200,7 @@
               </a:lnSpc>
               <a:buNone/>
             </a:pPr>
-            <a:fld id="{B85BFDD9-822E-4AB6-8D7A-8EFB8F111599}" type="slidenum">
+            <a:fld id="{4EF0B580-E348-4500-82BF-F97EED915A84}" type="slidenum">
               <a:rPr b="0" lang="en-US" sz="1200" spc="-1" strike="noStrike">
                 <a:solidFill>
                   <a:srgbClr val="000000"/>
@@ -1251,7 +1251,7 @@
         <p:spPr>
           <a:xfrm>
             <a:off x="380880" y="685800"/>
-            <a:ext cx="6090480" cy="3423600"/>
+            <a:ext cx="6090120" cy="3423240"/>
           </a:xfrm>
           <a:prstGeom prst="rect">
             <a:avLst/>
@@ -1274,7 +1274,7 @@
         <p:spPr>
           <a:xfrm>
             <a:off x="685800" y="4343400"/>
-            <a:ext cx="5481000" cy="4109400"/>
+            <a:ext cx="5480640" cy="4109040"/>
           </a:xfrm>
           <a:prstGeom prst="rect">
             <a:avLst/>
@@ -1308,7 +1308,7 @@
         <p:spPr>
           <a:xfrm>
             <a:off x="3884760" y="8685360"/>
-            <a:ext cx="2966400" cy="451800"/>
+            <a:ext cx="2966040" cy="451440"/>
           </a:xfrm>
           <a:prstGeom prst="rect">
             <a:avLst/>
@@ -1344,7 +1344,7 @@
               </a:lnSpc>
               <a:buNone/>
             </a:pPr>
-            <a:fld id="{CDA1C70E-C534-4FE9-99DF-ECD879D59E6A}" type="slidenum">
+            <a:fld id="{2DC969DF-BE3D-4F0E-8B59-29B1A57E133B}" type="slidenum">
               <a:rPr b="0" lang="en-US" sz="1200" spc="-1" strike="noStrike">
                 <a:solidFill>
                   <a:srgbClr val="000000"/>
@@ -1395,7 +1395,7 @@
         <p:spPr>
           <a:xfrm>
             <a:off x="380880" y="685800"/>
-            <a:ext cx="6090480" cy="3423600"/>
+            <a:ext cx="6090120" cy="3423240"/>
           </a:xfrm>
           <a:prstGeom prst="rect">
             <a:avLst/>
@@ -1418,7 +1418,7 @@
         <p:spPr>
           <a:xfrm>
             <a:off x="685800" y="4343400"/>
-            <a:ext cx="5481000" cy="4109400"/>
+            <a:ext cx="5480640" cy="4109040"/>
           </a:xfrm>
           <a:prstGeom prst="rect">
             <a:avLst/>
@@ -1452,7 +1452,7 @@
         <p:spPr>
           <a:xfrm>
             <a:off x="3884760" y="8685360"/>
-            <a:ext cx="2966400" cy="451800"/>
+            <a:ext cx="2966040" cy="451440"/>
           </a:xfrm>
           <a:prstGeom prst="rect">
             <a:avLst/>
@@ -1488,7 +1488,7 @@
               </a:lnSpc>
               <a:buNone/>
             </a:pPr>
-            <a:fld id="{3478F754-3CF6-4DCA-AF73-CB1C1BD62721}" type="slidenum">
+            <a:fld id="{2CD46238-790F-4826-9DA1-C66A5088B67D}" type="slidenum">
               <a:rPr b="0" lang="en-US" sz="1200" spc="-1" strike="noStrike">
                 <a:solidFill>
                   <a:srgbClr val="000000"/>
@@ -1539,7 +1539,7 @@
         <p:spPr>
           <a:xfrm>
             <a:off x="380880" y="685800"/>
-            <a:ext cx="6090480" cy="3423600"/>
+            <a:ext cx="6090120" cy="3423240"/>
           </a:xfrm>
           <a:prstGeom prst="rect">
             <a:avLst/>
@@ -1562,7 +1562,7 @@
         <p:spPr>
           <a:xfrm>
             <a:off x="685800" y="4343400"/>
-            <a:ext cx="5481000" cy="4109400"/>
+            <a:ext cx="5480640" cy="4109040"/>
           </a:xfrm>
           <a:prstGeom prst="rect">
             <a:avLst/>
@@ -1596,7 +1596,7 @@
         <p:spPr>
           <a:xfrm>
             <a:off x="3884760" y="8685360"/>
-            <a:ext cx="2966400" cy="451800"/>
+            <a:ext cx="2966040" cy="451440"/>
           </a:xfrm>
           <a:prstGeom prst="rect">
             <a:avLst/>
@@ -1632,7 +1632,7 @@
               </a:lnSpc>
               <a:buNone/>
             </a:pPr>
-            <a:fld id="{28DFB934-1A6B-4B93-9AC9-C7BEE4F86453}" type="slidenum">
+            <a:fld id="{B49C1341-6798-414C-850D-A73EEEE4F243}" type="slidenum">
               <a:rPr b="0" lang="en-US" sz="1200" spc="-1" strike="noStrike">
                 <a:solidFill>
                   <a:srgbClr val="000000"/>
@@ -1683,7 +1683,7 @@
         <p:spPr>
           <a:xfrm>
             <a:off x="380880" y="685800"/>
-            <a:ext cx="6090480" cy="3423600"/>
+            <a:ext cx="6090120" cy="3423240"/>
           </a:xfrm>
           <a:prstGeom prst="rect">
             <a:avLst/>
@@ -1706,7 +1706,7 @@
         <p:spPr>
           <a:xfrm>
             <a:off x="685800" y="4343400"/>
-            <a:ext cx="5481000" cy="4109400"/>
+            <a:ext cx="5480640" cy="4109040"/>
           </a:xfrm>
           <a:prstGeom prst="rect">
             <a:avLst/>
@@ -1740,7 +1740,7 @@
         <p:spPr>
           <a:xfrm>
             <a:off x="3884760" y="8685360"/>
-            <a:ext cx="2966400" cy="451800"/>
+            <a:ext cx="2966040" cy="451440"/>
           </a:xfrm>
           <a:prstGeom prst="rect">
             <a:avLst/>
@@ -1776,7 +1776,7 @@
               </a:lnSpc>
               <a:buNone/>
             </a:pPr>
-            <a:fld id="{0DB4E7BC-DFBB-42CE-9842-EA7B2ACE4F51}" type="slidenum">
+            <a:fld id="{23F15AE7-0721-4B57-9E43-A9D8F53976F0}" type="slidenum">
               <a:rPr b="0" lang="en-US" sz="1200" spc="-1" strike="noStrike">
                 <a:solidFill>
                   <a:srgbClr val="000000"/>
@@ -1827,7 +1827,7 @@
         <p:spPr>
           <a:xfrm>
             <a:off x="380880" y="685800"/>
-            <a:ext cx="6090480" cy="3423600"/>
+            <a:ext cx="6090120" cy="3423240"/>
           </a:xfrm>
           <a:prstGeom prst="rect">
             <a:avLst/>
@@ -1850,7 +1850,7 @@
         <p:spPr>
           <a:xfrm>
             <a:off x="685800" y="4343400"/>
-            <a:ext cx="5481000" cy="4109400"/>
+            <a:ext cx="5480640" cy="4109040"/>
           </a:xfrm>
           <a:prstGeom prst="rect">
             <a:avLst/>
@@ -1884,7 +1884,7 @@
         <p:spPr>
           <a:xfrm>
             <a:off x="3884760" y="8685360"/>
-            <a:ext cx="2966400" cy="451800"/>
+            <a:ext cx="2966040" cy="451440"/>
           </a:xfrm>
           <a:prstGeom prst="rect">
             <a:avLst/>
@@ -1920,7 +1920,7 @@
               </a:lnSpc>
               <a:buNone/>
             </a:pPr>
-            <a:fld id="{8B305ECB-396B-4AAF-A9D6-08BFBCCE70EE}" type="slidenum">
+            <a:fld id="{C59D6E02-F6CA-48C4-B0C6-1B2AED2B7869}" type="slidenum">
               <a:rPr b="0" lang="en-US" sz="1200" spc="-1" strike="noStrike">
                 <a:solidFill>
                   <a:srgbClr val="000000"/>
@@ -1971,7 +1971,7 @@
         <p:spPr>
           <a:xfrm>
             <a:off x="380880" y="685800"/>
-            <a:ext cx="6090480" cy="3423600"/>
+            <a:ext cx="6090120" cy="3423240"/>
           </a:xfrm>
           <a:prstGeom prst="rect">
             <a:avLst/>
@@ -1994,7 +1994,7 @@
         <p:spPr>
           <a:xfrm>
             <a:off x="685800" y="4343400"/>
-            <a:ext cx="5481000" cy="4109400"/>
+            <a:ext cx="5480640" cy="4109040"/>
           </a:xfrm>
           <a:prstGeom prst="rect">
             <a:avLst/>
@@ -2028,7 +2028,7 @@
         <p:spPr>
           <a:xfrm>
             <a:off x="3884760" y="8685360"/>
-            <a:ext cx="2966400" cy="451800"/>
+            <a:ext cx="2966040" cy="451440"/>
           </a:xfrm>
           <a:prstGeom prst="rect">
             <a:avLst/>
@@ -2064,7 +2064,7 @@
               </a:lnSpc>
               <a:buNone/>
             </a:pPr>
-            <a:fld id="{9CDFAB57-68C9-4DC7-AD8A-344E385AAA90}" type="slidenum">
+            <a:fld id="{98EA8556-A529-48DA-9D5C-CFEDD400C0D4}" type="slidenum">
               <a:rPr b="0" lang="en-US" sz="1200" spc="-1" strike="noStrike">
                 <a:solidFill>
                   <a:srgbClr val="000000"/>
@@ -2115,7 +2115,7 @@
         <p:spPr>
           <a:xfrm>
             <a:off x="380880" y="685800"/>
-            <a:ext cx="6090480" cy="3423600"/>
+            <a:ext cx="6090120" cy="3423240"/>
           </a:xfrm>
           <a:prstGeom prst="rect">
             <a:avLst/>
@@ -2138,7 +2138,7 @@
         <p:spPr>
           <a:xfrm>
             <a:off x="685800" y="4343400"/>
-            <a:ext cx="5481000" cy="4109400"/>
+            <a:ext cx="5480640" cy="4109040"/>
           </a:xfrm>
           <a:prstGeom prst="rect">
             <a:avLst/>
@@ -2172,7 +2172,7 @@
         <p:spPr>
           <a:xfrm>
             <a:off x="3884760" y="8685360"/>
-            <a:ext cx="2966400" cy="451800"/>
+            <a:ext cx="2966040" cy="451440"/>
           </a:xfrm>
           <a:prstGeom prst="rect">
             <a:avLst/>
@@ -2208,7 +2208,7 @@
               </a:lnSpc>
               <a:buNone/>
             </a:pPr>
-            <a:fld id="{4B376BA6-C2AA-4754-B8DE-05F255B3CD49}" type="slidenum">
+            <a:fld id="{23AD5E1E-44B9-4AF3-982E-0E372E0D47CF}" type="slidenum">
               <a:rPr b="0" lang="en-US" sz="1200" spc="-1" strike="noStrike">
                 <a:solidFill>
                   <a:srgbClr val="000000"/>
@@ -2259,7 +2259,7 @@
         <p:spPr>
           <a:xfrm>
             <a:off x="380880" y="685800"/>
-            <a:ext cx="6090480" cy="3423600"/>
+            <a:ext cx="6090120" cy="3423240"/>
           </a:xfrm>
           <a:prstGeom prst="rect">
             <a:avLst/>
@@ -2282,7 +2282,7 @@
         <p:spPr>
           <a:xfrm>
             <a:off x="685800" y="4343400"/>
-            <a:ext cx="5481000" cy="4109400"/>
+            <a:ext cx="5480640" cy="4109040"/>
           </a:xfrm>
           <a:prstGeom prst="rect">
             <a:avLst/>
@@ -2316,7 +2316,7 @@
         <p:spPr>
           <a:xfrm>
             <a:off x="3884760" y="8685360"/>
-            <a:ext cx="2966400" cy="451800"/>
+            <a:ext cx="2966040" cy="451440"/>
           </a:xfrm>
           <a:prstGeom prst="rect">
             <a:avLst/>
@@ -2352,7 +2352,7 @@
               </a:lnSpc>
               <a:buNone/>
             </a:pPr>
-            <a:fld id="{2C57BF3B-4165-48FC-AAF4-908AD9762934}" type="slidenum">
+            <a:fld id="{AFA83AE9-79FD-4E51-A697-083811E8E98E}" type="slidenum">
               <a:rPr b="0" lang="en-US" sz="1200" spc="-1" strike="noStrike">
                 <a:solidFill>
                   <a:srgbClr val="000000"/>
@@ -2403,7 +2403,7 @@
         <p:spPr>
           <a:xfrm>
             <a:off x="380880" y="685800"/>
-            <a:ext cx="6090480" cy="3423600"/>
+            <a:ext cx="6090120" cy="3423240"/>
           </a:xfrm>
           <a:prstGeom prst="rect">
             <a:avLst/>
@@ -2426,7 +2426,7 @@
         <p:spPr>
           <a:xfrm>
             <a:off x="685800" y="4343400"/>
-            <a:ext cx="5481000" cy="4109400"/>
+            <a:ext cx="5480640" cy="4109040"/>
           </a:xfrm>
           <a:prstGeom prst="rect">
             <a:avLst/>
@@ -2460,7 +2460,7 @@
         <p:spPr>
           <a:xfrm>
             <a:off x="3884760" y="8685360"/>
-            <a:ext cx="2966400" cy="451800"/>
+            <a:ext cx="2966040" cy="451440"/>
           </a:xfrm>
           <a:prstGeom prst="rect">
             <a:avLst/>
@@ -2496,7 +2496,7 @@
               </a:lnSpc>
               <a:buNone/>
             </a:pPr>
-            <a:fld id="{F637E8A4-E3AC-44EE-BF04-9D1BA5055AC0}" type="slidenum">
+            <a:fld id="{A729B04A-4687-44C0-8294-B0B667DE9074}" type="slidenum">
               <a:rPr b="0" lang="en-US" sz="1200" spc="-1" strike="noStrike">
                 <a:solidFill>
                   <a:srgbClr val="000000"/>
@@ -2547,7 +2547,7 @@
         <p:spPr>
           <a:xfrm>
             <a:off x="380880" y="685800"/>
-            <a:ext cx="6090480" cy="3423600"/>
+            <a:ext cx="6090120" cy="3423240"/>
           </a:xfrm>
           <a:prstGeom prst="rect">
             <a:avLst/>
@@ -2570,7 +2570,7 @@
         <p:spPr>
           <a:xfrm>
             <a:off x="685800" y="4343400"/>
-            <a:ext cx="5481000" cy="4109400"/>
+            <a:ext cx="5480640" cy="4109040"/>
           </a:xfrm>
           <a:prstGeom prst="rect">
             <a:avLst/>
@@ -2604,7 +2604,7 @@
         <p:spPr>
           <a:xfrm>
             <a:off x="3884760" y="8685360"/>
-            <a:ext cx="2966400" cy="451800"/>
+            <a:ext cx="2966040" cy="451440"/>
           </a:xfrm>
           <a:prstGeom prst="rect">
             <a:avLst/>
@@ -2640,7 +2640,7 @@
               </a:lnSpc>
               <a:buNone/>
             </a:pPr>
-            <a:fld id="{2ADE4527-659D-4166-823D-918DF4ADEC95}" type="slidenum">
+            <a:fld id="{078D359F-4222-4262-A9CA-D2041FDA2B3A}" type="slidenum">
               <a:rPr b="0" lang="en-US" sz="1200" spc="-1" strike="noStrike">
                 <a:solidFill>
                   <a:srgbClr val="000000"/>
@@ -2691,7 +2691,7 @@
         <p:spPr>
           <a:xfrm>
             <a:off x="380880" y="685800"/>
-            <a:ext cx="6090480" cy="3423600"/>
+            <a:ext cx="6090120" cy="3423240"/>
           </a:xfrm>
           <a:prstGeom prst="rect">
             <a:avLst/>
@@ -2714,7 +2714,7 @@
         <p:spPr>
           <a:xfrm>
             <a:off x="685800" y="4343400"/>
-            <a:ext cx="5481000" cy="4109400"/>
+            <a:ext cx="5480640" cy="4109040"/>
           </a:xfrm>
           <a:prstGeom prst="rect">
             <a:avLst/>
@@ -2748,7 +2748,7 @@
         <p:spPr>
           <a:xfrm>
             <a:off x="3884760" y="8685360"/>
-            <a:ext cx="2966400" cy="451800"/>
+            <a:ext cx="2966040" cy="451440"/>
           </a:xfrm>
           <a:prstGeom prst="rect">
             <a:avLst/>
@@ -2784,7 +2784,7 @@
               </a:lnSpc>
               <a:buNone/>
             </a:pPr>
-            <a:fld id="{828B3457-2B38-4D2D-B3E7-BD108D1168F6}" type="slidenum">
+            <a:fld id="{1B2E53ED-44F1-4213-B5CA-16067432E5E7}" type="slidenum">
               <a:rPr b="0" lang="en-US" sz="1200" spc="-1" strike="noStrike">
                 <a:solidFill>
                   <a:srgbClr val="000000"/>
@@ -2835,7 +2835,7 @@
         <p:spPr>
           <a:xfrm>
             <a:off x="380880" y="685800"/>
-            <a:ext cx="6090480" cy="3423600"/>
+            <a:ext cx="6090120" cy="3423240"/>
           </a:xfrm>
           <a:prstGeom prst="rect">
             <a:avLst/>
@@ -2858,7 +2858,7 @@
         <p:spPr>
           <a:xfrm>
             <a:off x="685800" y="4343400"/>
-            <a:ext cx="5481000" cy="4109400"/>
+            <a:ext cx="5480640" cy="4109040"/>
           </a:xfrm>
           <a:prstGeom prst="rect">
             <a:avLst/>
@@ -2892,7 +2892,7 @@
         <p:spPr>
           <a:xfrm>
             <a:off x="3884760" y="8685360"/>
-            <a:ext cx="2966400" cy="451800"/>
+            <a:ext cx="2966040" cy="451440"/>
           </a:xfrm>
           <a:prstGeom prst="rect">
             <a:avLst/>
@@ -2928,7 +2928,7 @@
               </a:lnSpc>
               <a:buNone/>
             </a:pPr>
-            <a:fld id="{7E6896AB-14C2-4581-B15C-01800728E144}" type="slidenum">
+            <a:fld id="{4EFFB6DB-FDE1-4644-9589-95C35D135A34}" type="slidenum">
               <a:rPr b="0" lang="en-US" sz="1200" spc="-1" strike="noStrike">
                 <a:solidFill>
                   <a:srgbClr val="000000"/>
@@ -2979,7 +2979,7 @@
         <p:spPr>
           <a:xfrm>
             <a:off x="380880" y="685800"/>
-            <a:ext cx="6090480" cy="3423600"/>
+            <a:ext cx="6090120" cy="3423240"/>
           </a:xfrm>
           <a:prstGeom prst="rect">
             <a:avLst/>
@@ -3002,7 +3002,7 @@
         <p:spPr>
           <a:xfrm>
             <a:off x="685800" y="4343400"/>
-            <a:ext cx="5481000" cy="4109400"/>
+            <a:ext cx="5480640" cy="4109040"/>
           </a:xfrm>
           <a:prstGeom prst="rect">
             <a:avLst/>
@@ -3036,7 +3036,7 @@
         <p:spPr>
           <a:xfrm>
             <a:off x="3884760" y="8685360"/>
-            <a:ext cx="2966400" cy="451800"/>
+            <a:ext cx="2966040" cy="451440"/>
           </a:xfrm>
           <a:prstGeom prst="rect">
             <a:avLst/>
@@ -3072,7 +3072,7 @@
               </a:lnSpc>
               <a:buNone/>
             </a:pPr>
-            <a:fld id="{1D6FEC26-A468-473E-ABB3-D61089521B77}" type="slidenum">
+            <a:fld id="{EB6F97D4-26E8-410E-BFCD-6CA2F2AA6DDC}" type="slidenum">
               <a:rPr b="0" lang="en-US" sz="1200" spc="-1" strike="noStrike">
                 <a:solidFill>
                   <a:srgbClr val="000000"/>
@@ -3123,7 +3123,7 @@
         <p:spPr>
           <a:xfrm>
             <a:off x="380880" y="685800"/>
-            <a:ext cx="6090480" cy="3423600"/>
+            <a:ext cx="6090120" cy="3423240"/>
           </a:xfrm>
           <a:prstGeom prst="rect">
             <a:avLst/>
@@ -3146,7 +3146,7 @@
         <p:spPr>
           <a:xfrm>
             <a:off x="685800" y="4343400"/>
-            <a:ext cx="5481000" cy="4109400"/>
+            <a:ext cx="5480640" cy="4109040"/>
           </a:xfrm>
           <a:prstGeom prst="rect">
             <a:avLst/>
@@ -3180,7 +3180,7 @@
         <p:spPr>
           <a:xfrm>
             <a:off x="3884760" y="8685360"/>
-            <a:ext cx="2966400" cy="451800"/>
+            <a:ext cx="2966040" cy="451440"/>
           </a:xfrm>
           <a:prstGeom prst="rect">
             <a:avLst/>
@@ -3216,7 +3216,7 @@
               </a:lnSpc>
               <a:buNone/>
             </a:pPr>
-            <a:fld id="{B54E7746-994F-493B-924F-BCED1549F925}" type="slidenum">
+            <a:fld id="{065760A4-82D9-45F3-B1AB-1DAA95E36CE4}" type="slidenum">
               <a:rPr b="0" lang="en-US" sz="1200" spc="-1" strike="noStrike">
                 <a:solidFill>
                   <a:srgbClr val="000000"/>
@@ -3267,7 +3267,7 @@
         <p:spPr>
           <a:xfrm>
             <a:off x="380880" y="685800"/>
-            <a:ext cx="6090480" cy="3423600"/>
+            <a:ext cx="6090120" cy="3423240"/>
           </a:xfrm>
           <a:prstGeom prst="rect">
             <a:avLst/>
@@ -3290,7 +3290,7 @@
         <p:spPr>
           <a:xfrm>
             <a:off x="685800" y="4343400"/>
-            <a:ext cx="5481000" cy="4109400"/>
+            <a:ext cx="5480640" cy="4109040"/>
           </a:xfrm>
           <a:prstGeom prst="rect">
             <a:avLst/>
@@ -3324,7 +3324,7 @@
         <p:spPr>
           <a:xfrm>
             <a:off x="3884760" y="8685360"/>
-            <a:ext cx="2966400" cy="451800"/>
+            <a:ext cx="2966040" cy="451440"/>
           </a:xfrm>
           <a:prstGeom prst="rect">
             <a:avLst/>
@@ -3360,7 +3360,7 @@
               </a:lnSpc>
               <a:buNone/>
             </a:pPr>
-            <a:fld id="{B0F884DC-3E44-44F4-B998-A1022191617E}" type="slidenum">
+            <a:fld id="{F5BCE2CE-F211-47E5-B6E0-3BBF2388E8D9}" type="slidenum">
               <a:rPr b="0" lang="en-US" sz="1200" spc="-1" strike="noStrike">
                 <a:solidFill>
                   <a:srgbClr val="000000"/>
@@ -3411,7 +3411,7 @@
         <p:spPr>
           <a:xfrm>
             <a:off x="380880" y="685800"/>
-            <a:ext cx="6090480" cy="3423600"/>
+            <a:ext cx="6090120" cy="3423240"/>
           </a:xfrm>
           <a:prstGeom prst="rect">
             <a:avLst/>
@@ -3434,7 +3434,7 @@
         <p:spPr>
           <a:xfrm>
             <a:off x="685800" y="4343400"/>
-            <a:ext cx="5481000" cy="4109400"/>
+            <a:ext cx="5480640" cy="4109040"/>
           </a:xfrm>
           <a:prstGeom prst="rect">
             <a:avLst/>
@@ -3468,7 +3468,7 @@
         <p:spPr>
           <a:xfrm>
             <a:off x="3884760" y="8685360"/>
-            <a:ext cx="2966400" cy="451800"/>
+            <a:ext cx="2966040" cy="451440"/>
           </a:xfrm>
           <a:prstGeom prst="rect">
             <a:avLst/>
@@ -3504,7 +3504,7 @@
               </a:lnSpc>
               <a:buNone/>
             </a:pPr>
-            <a:fld id="{5871FF4D-5AB8-4C42-8A45-2B09B40FC5CC}" type="slidenum">
+            <a:fld id="{DA9C6D0C-E207-411B-A076-E50C398FF1E7}" type="slidenum">
               <a:rPr b="0" lang="en-US" sz="1200" spc="-1" strike="noStrike">
                 <a:solidFill>
                   <a:srgbClr val="000000"/>
@@ -3555,7 +3555,7 @@
         <p:spPr>
           <a:xfrm>
             <a:off x="380880" y="685800"/>
-            <a:ext cx="6090480" cy="3423600"/>
+            <a:ext cx="6090120" cy="3423240"/>
           </a:xfrm>
           <a:prstGeom prst="rect">
             <a:avLst/>
@@ -3578,7 +3578,7 @@
         <p:spPr>
           <a:xfrm>
             <a:off x="685800" y="4343400"/>
-            <a:ext cx="5481000" cy="4109400"/>
+            <a:ext cx="5480640" cy="4109040"/>
           </a:xfrm>
           <a:prstGeom prst="rect">
             <a:avLst/>
@@ -3612,7 +3612,7 @@
         <p:spPr>
           <a:xfrm>
             <a:off x="3884760" y="8685360"/>
-            <a:ext cx="2966400" cy="451800"/>
+            <a:ext cx="2966040" cy="451440"/>
           </a:xfrm>
           <a:prstGeom prst="rect">
             <a:avLst/>
@@ -3648,7 +3648,7 @@
               </a:lnSpc>
               <a:buNone/>
             </a:pPr>
-            <a:fld id="{C0AA9735-AA9C-4483-9D56-DEC00AAAA165}" type="slidenum">
+            <a:fld id="{3171F66C-E930-462C-8E7D-9A4F73DDA897}" type="slidenum">
               <a:rPr b="0" lang="en-US" sz="1200" spc="-1" strike="noStrike">
                 <a:solidFill>
                   <a:srgbClr val="000000"/>
@@ -3699,7 +3699,7 @@
         <p:spPr>
           <a:xfrm>
             <a:off x="380880" y="685800"/>
-            <a:ext cx="6090480" cy="3423600"/>
+            <a:ext cx="6090120" cy="3423240"/>
           </a:xfrm>
           <a:prstGeom prst="rect">
             <a:avLst/>
@@ -3722,7 +3722,7 @@
         <p:spPr>
           <a:xfrm>
             <a:off x="685800" y="4343400"/>
-            <a:ext cx="5481000" cy="4109400"/>
+            <a:ext cx="5480640" cy="4109040"/>
           </a:xfrm>
           <a:prstGeom prst="rect">
             <a:avLst/>
@@ -3756,7 +3756,7 @@
         <p:spPr>
           <a:xfrm>
             <a:off x="3884760" y="8685360"/>
-            <a:ext cx="2966400" cy="451800"/>
+            <a:ext cx="2966040" cy="451440"/>
           </a:xfrm>
           <a:prstGeom prst="rect">
             <a:avLst/>
@@ -3792,7 +3792,7 @@
               </a:lnSpc>
               <a:buNone/>
             </a:pPr>
-            <a:fld id="{08188B52-3F0E-4388-BE90-A6C333D47A84}" type="slidenum">
+            <a:fld id="{A0FAD702-6FF2-43A5-A1E2-73A26970C670}" type="slidenum">
               <a:rPr b="0" lang="en-US" sz="1200" spc="-1" strike="noStrike">
                 <a:solidFill>
                   <a:srgbClr val="000000"/>
@@ -3843,7 +3843,7 @@
         <p:spPr>
           <a:xfrm>
             <a:off x="380880" y="685800"/>
-            <a:ext cx="6090480" cy="3423600"/>
+            <a:ext cx="6090120" cy="3423240"/>
           </a:xfrm>
           <a:prstGeom prst="rect">
             <a:avLst/>
@@ -3866,7 +3866,7 @@
         <p:spPr>
           <a:xfrm>
             <a:off x="685800" y="4343400"/>
-            <a:ext cx="5481000" cy="4109400"/>
+            <a:ext cx="5480640" cy="4109040"/>
           </a:xfrm>
           <a:prstGeom prst="rect">
             <a:avLst/>
@@ -3900,7 +3900,7 @@
         <p:spPr>
           <a:xfrm>
             <a:off x="3884760" y="8685360"/>
-            <a:ext cx="2966400" cy="451800"/>
+            <a:ext cx="2966040" cy="451440"/>
           </a:xfrm>
           <a:prstGeom prst="rect">
             <a:avLst/>
@@ -3936,7 +3936,7 @@
               </a:lnSpc>
               <a:buNone/>
             </a:pPr>
-            <a:fld id="{9D75A0AD-4E98-453F-A4C6-C0B3F1F1E396}" type="slidenum">
+            <a:fld id="{A1503063-B7D5-4C4E-9D73-A2FB4E8D4891}" type="slidenum">
               <a:rPr b="0" lang="en-US" sz="1200" spc="-1" strike="noStrike">
                 <a:solidFill>
                   <a:srgbClr val="000000"/>
@@ -3987,7 +3987,7 @@
         <p:spPr>
           <a:xfrm>
             <a:off x="380880" y="685800"/>
-            <a:ext cx="6090480" cy="3423600"/>
+            <a:ext cx="6090120" cy="3423240"/>
           </a:xfrm>
           <a:prstGeom prst="rect">
             <a:avLst/>
@@ -4010,7 +4010,7 @@
         <p:spPr>
           <a:xfrm>
             <a:off x="685800" y="4343400"/>
-            <a:ext cx="5481000" cy="4109400"/>
+            <a:ext cx="5480640" cy="4109040"/>
           </a:xfrm>
           <a:prstGeom prst="rect">
             <a:avLst/>
@@ -4044,7 +4044,7 @@
         <p:spPr>
           <a:xfrm>
             <a:off x="3884760" y="8685360"/>
-            <a:ext cx="2966400" cy="451800"/>
+            <a:ext cx="2966040" cy="451440"/>
           </a:xfrm>
           <a:prstGeom prst="rect">
             <a:avLst/>
@@ -4080,7 +4080,7 @@
               </a:lnSpc>
               <a:buNone/>
             </a:pPr>
-            <a:fld id="{C46A4358-A547-4EED-A4F4-7402EF39ACF6}" type="slidenum">
+            <a:fld id="{54D8BC14-D439-4D04-85C9-05F9AA5D6D2B}" type="slidenum">
               <a:rPr b="0" lang="en-US" sz="1200" spc="-1" strike="noStrike">
                 <a:solidFill>
                   <a:srgbClr val="000000"/>
@@ -4131,7 +4131,7 @@
         <p:spPr>
           <a:xfrm>
             <a:off x="380880" y="685800"/>
-            <a:ext cx="6090480" cy="3423600"/>
+            <a:ext cx="6090120" cy="3423240"/>
           </a:xfrm>
           <a:prstGeom prst="rect">
             <a:avLst/>
@@ -4154,7 +4154,7 @@
         <p:spPr>
           <a:xfrm>
             <a:off x="685800" y="4343400"/>
-            <a:ext cx="5481000" cy="4109400"/>
+            <a:ext cx="5480640" cy="4109040"/>
           </a:xfrm>
           <a:prstGeom prst="rect">
             <a:avLst/>
@@ -4188,7 +4188,7 @@
         <p:spPr>
           <a:xfrm>
             <a:off x="3884760" y="8685360"/>
-            <a:ext cx="2966400" cy="451800"/>
+            <a:ext cx="2966040" cy="451440"/>
           </a:xfrm>
           <a:prstGeom prst="rect">
             <a:avLst/>
@@ -4224,7 +4224,7 @@
               </a:lnSpc>
               <a:buNone/>
             </a:pPr>
-            <a:fld id="{D3DE3D21-7BED-4F53-AEB5-1736E78D7B5B}" type="slidenum">
+            <a:fld id="{6EBAE164-A134-47F3-9BCC-751247EE6449}" type="slidenum">
               <a:rPr b="0" lang="en-US" sz="1200" spc="-1" strike="noStrike">
                 <a:solidFill>
                   <a:srgbClr val="000000"/>
@@ -4275,7 +4275,7 @@
         <p:spPr>
           <a:xfrm>
             <a:off x="380880" y="685800"/>
-            <a:ext cx="6090480" cy="3423600"/>
+            <a:ext cx="6090120" cy="3423240"/>
           </a:xfrm>
           <a:prstGeom prst="rect">
             <a:avLst/>
@@ -4298,7 +4298,7 @@
         <p:spPr>
           <a:xfrm>
             <a:off x="685800" y="4343400"/>
-            <a:ext cx="5481000" cy="4109400"/>
+            <a:ext cx="5480640" cy="4109040"/>
           </a:xfrm>
           <a:prstGeom prst="rect">
             <a:avLst/>
@@ -4332,7 +4332,7 @@
         <p:spPr>
           <a:xfrm>
             <a:off x="3884760" y="8685360"/>
-            <a:ext cx="2966400" cy="451800"/>
+            <a:ext cx="2966040" cy="451440"/>
           </a:xfrm>
           <a:prstGeom prst="rect">
             <a:avLst/>
@@ -4368,7 +4368,7 @@
               </a:lnSpc>
               <a:buNone/>
             </a:pPr>
-            <a:fld id="{AD94FC07-FDEF-410D-9A6A-2C3EBCCAB1FF}" type="slidenum">
+            <a:fld id="{565577FA-C8C2-4E2F-A8CD-D38D9D44B4DA}" type="slidenum">
               <a:rPr b="0" lang="en-US" sz="1200" spc="-1" strike="noStrike">
                 <a:solidFill>
                   <a:srgbClr val="000000"/>
@@ -4419,7 +4419,7 @@
         <p:spPr>
           <a:xfrm>
             <a:off x="380880" y="685800"/>
-            <a:ext cx="6090480" cy="3423600"/>
+            <a:ext cx="6090120" cy="3423240"/>
           </a:xfrm>
           <a:prstGeom prst="rect">
             <a:avLst/>
@@ -4442,7 +4442,7 @@
         <p:spPr>
           <a:xfrm>
             <a:off x="685800" y="4343400"/>
-            <a:ext cx="5481000" cy="4109400"/>
+            <a:ext cx="5480640" cy="4109040"/>
           </a:xfrm>
           <a:prstGeom prst="rect">
             <a:avLst/>
@@ -4476,7 +4476,7 @@
         <p:spPr>
           <a:xfrm>
             <a:off x="3884760" y="8685360"/>
-            <a:ext cx="2966400" cy="451800"/>
+            <a:ext cx="2966040" cy="451440"/>
           </a:xfrm>
           <a:prstGeom prst="rect">
             <a:avLst/>
@@ -4512,7 +4512,7 @@
               </a:lnSpc>
               <a:buNone/>
             </a:pPr>
-            <a:fld id="{214AAC85-67C7-450F-AA3C-381341C88D4E}" type="slidenum">
+            <a:fld id="{300DC34A-D459-43B0-96B3-2488310C3306}" type="slidenum">
               <a:rPr b="0" lang="en-US" sz="1200" spc="-1" strike="noStrike">
                 <a:solidFill>
                   <a:srgbClr val="000000"/>
@@ -4563,7 +4563,7 @@
         <p:spPr>
           <a:xfrm>
             <a:off x="380880" y="685800"/>
-            <a:ext cx="6090480" cy="3423600"/>
+            <a:ext cx="6090120" cy="3423240"/>
           </a:xfrm>
           <a:prstGeom prst="rect">
             <a:avLst/>
@@ -4586,7 +4586,7 @@
         <p:spPr>
           <a:xfrm>
             <a:off x="685800" y="4343400"/>
-            <a:ext cx="5481000" cy="4109400"/>
+            <a:ext cx="5480640" cy="4109040"/>
           </a:xfrm>
           <a:prstGeom prst="rect">
             <a:avLst/>
@@ -4620,7 +4620,7 @@
         <p:spPr>
           <a:xfrm>
             <a:off x="3884760" y="8685360"/>
-            <a:ext cx="2966400" cy="451800"/>
+            <a:ext cx="2966040" cy="451440"/>
           </a:xfrm>
           <a:prstGeom prst="rect">
             <a:avLst/>
@@ -4656,7 +4656,7 @@
               </a:lnSpc>
               <a:buNone/>
             </a:pPr>
-            <a:fld id="{9D5F40A3-8E65-4938-A21F-F5B926A53BB3}" type="slidenum">
+            <a:fld id="{C2CA8F16-08F4-4900-AAA2-713D2AE4B842}" type="slidenum">
               <a:rPr b="0" lang="en-US" sz="1200" spc="-1" strike="noStrike">
                 <a:solidFill>
                   <a:srgbClr val="000000"/>
@@ -4707,7 +4707,7 @@
         <p:spPr>
           <a:xfrm>
             <a:off x="380880" y="685800"/>
-            <a:ext cx="6090480" cy="3423600"/>
+            <a:ext cx="6090120" cy="3423240"/>
           </a:xfrm>
           <a:prstGeom prst="rect">
             <a:avLst/>
@@ -4730,7 +4730,7 @@
         <p:spPr>
           <a:xfrm>
             <a:off x="685800" y="4343400"/>
-            <a:ext cx="5481000" cy="4109400"/>
+            <a:ext cx="5480640" cy="4109040"/>
           </a:xfrm>
           <a:prstGeom prst="rect">
             <a:avLst/>
@@ -4764,7 +4764,7 @@
         <p:spPr>
           <a:xfrm>
             <a:off x="3884760" y="8685360"/>
-            <a:ext cx="2966400" cy="451800"/>
+            <a:ext cx="2966040" cy="451440"/>
           </a:xfrm>
           <a:prstGeom prst="rect">
             <a:avLst/>
@@ -4800,7 +4800,7 @@
               </a:lnSpc>
               <a:buNone/>
             </a:pPr>
-            <a:fld id="{58FD28D9-FB3B-422F-A150-7CDBBC5FD2C6}" type="slidenum">
+            <a:fld id="{BFC2B379-59F4-4B2D-9535-D77CDB7F242A}" type="slidenum">
               <a:rPr b="0" lang="en-US" sz="1200" spc="-1" strike="noStrike">
                 <a:solidFill>
                   <a:srgbClr val="000000"/>
@@ -4851,7 +4851,7 @@
         <p:spPr>
           <a:xfrm>
             <a:off x="380880" y="685800"/>
-            <a:ext cx="6090480" cy="3423600"/>
+            <a:ext cx="6090120" cy="3423240"/>
           </a:xfrm>
           <a:prstGeom prst="rect">
             <a:avLst/>
@@ -4874,7 +4874,7 @@
         <p:spPr>
           <a:xfrm>
             <a:off x="685800" y="4343400"/>
-            <a:ext cx="5481000" cy="4109400"/>
+            <a:ext cx="5480640" cy="4109040"/>
           </a:xfrm>
           <a:prstGeom prst="rect">
             <a:avLst/>
@@ -4908,7 +4908,7 @@
         <p:spPr>
           <a:xfrm>
             <a:off x="3884760" y="8685360"/>
-            <a:ext cx="2966400" cy="451800"/>
+            <a:ext cx="2966040" cy="451440"/>
           </a:xfrm>
           <a:prstGeom prst="rect">
             <a:avLst/>
@@ -4944,7 +4944,7 @@
               </a:lnSpc>
               <a:buNone/>
             </a:pPr>
-            <a:fld id="{5949FA82-8051-4056-AECC-DF2CFABC9FAA}" type="slidenum">
+            <a:fld id="{1D20D22E-AB6F-41E8-B48C-59DB4BB4EE54}" type="slidenum">
               <a:rPr b="0" lang="en-US" sz="1200" spc="-1" strike="noStrike">
                 <a:solidFill>
                   <a:srgbClr val="000000"/>
@@ -4995,7 +4995,7 @@
         <p:spPr>
           <a:xfrm>
             <a:off x="380880" y="685800"/>
-            <a:ext cx="6090480" cy="3423600"/>
+            <a:ext cx="6090120" cy="3423240"/>
           </a:xfrm>
           <a:prstGeom prst="rect">
             <a:avLst/>
@@ -5018,7 +5018,7 @@
         <p:spPr>
           <a:xfrm>
             <a:off x="685800" y="4343400"/>
-            <a:ext cx="5481000" cy="4109400"/>
+            <a:ext cx="5480640" cy="4109040"/>
           </a:xfrm>
           <a:prstGeom prst="rect">
             <a:avLst/>
@@ -5052,7 +5052,7 @@
         <p:spPr>
           <a:xfrm>
             <a:off x="3884760" y="8685360"/>
-            <a:ext cx="2966400" cy="451800"/>
+            <a:ext cx="2966040" cy="451440"/>
           </a:xfrm>
           <a:prstGeom prst="rect">
             <a:avLst/>
@@ -5088,7 +5088,7 @@
               </a:lnSpc>
               <a:buNone/>
             </a:pPr>
-            <a:fld id="{08D08DD4-9957-45D4-92EB-A7120036844D}" type="slidenum">
+            <a:fld id="{B303FCB0-5951-41F0-B064-AF91D541A559}" type="slidenum">
               <a:rPr b="0" lang="en-US" sz="1200" spc="-1" strike="noStrike">
                 <a:solidFill>
                   <a:srgbClr val="000000"/>
@@ -5139,7 +5139,7 @@
         <p:spPr>
           <a:xfrm>
             <a:off x="380880" y="685800"/>
-            <a:ext cx="6090480" cy="3423600"/>
+            <a:ext cx="6090120" cy="3423240"/>
           </a:xfrm>
           <a:prstGeom prst="rect">
             <a:avLst/>
@@ -5162,7 +5162,7 @@
         <p:spPr>
           <a:xfrm>
             <a:off x="685800" y="4343400"/>
-            <a:ext cx="5481000" cy="4109400"/>
+            <a:ext cx="5480640" cy="4109040"/>
           </a:xfrm>
           <a:prstGeom prst="rect">
             <a:avLst/>
@@ -5196,7 +5196,7 @@
         <p:spPr>
           <a:xfrm>
             <a:off x="3884760" y="8685360"/>
-            <a:ext cx="2966400" cy="451800"/>
+            <a:ext cx="2966040" cy="451440"/>
           </a:xfrm>
           <a:prstGeom prst="rect">
             <a:avLst/>
@@ -5232,7 +5232,7 @@
               </a:lnSpc>
               <a:buNone/>
             </a:pPr>
-            <a:fld id="{3A74EBFD-27A4-49C3-8264-A1EF183439A1}" type="slidenum">
+            <a:fld id="{4AACC8FB-39C2-460D-BC0B-28A9C79CE866}" type="slidenum">
               <a:rPr b="0" lang="en-US" sz="1200" spc="-1" strike="noStrike">
                 <a:solidFill>
                   <a:srgbClr val="000000"/>
@@ -5283,7 +5283,7 @@
         <p:spPr>
           <a:xfrm>
             <a:off x="380880" y="685800"/>
-            <a:ext cx="6090480" cy="3423600"/>
+            <a:ext cx="6090120" cy="3423240"/>
           </a:xfrm>
           <a:prstGeom prst="rect">
             <a:avLst/>
@@ -5306,7 +5306,7 @@
         <p:spPr>
           <a:xfrm>
             <a:off x="685800" y="4343400"/>
-            <a:ext cx="5481000" cy="4109400"/>
+            <a:ext cx="5480640" cy="4109040"/>
           </a:xfrm>
           <a:prstGeom prst="rect">
             <a:avLst/>
@@ -5340,7 +5340,7 @@
         <p:spPr>
           <a:xfrm>
             <a:off x="3884760" y="8685360"/>
-            <a:ext cx="2966400" cy="451800"/>
+            <a:ext cx="2966040" cy="451440"/>
           </a:xfrm>
           <a:prstGeom prst="rect">
             <a:avLst/>
@@ -5376,7 +5376,7 @@
               </a:lnSpc>
               <a:buNone/>
             </a:pPr>
-            <a:fld id="{244F45AC-834B-4B14-8768-5CB49A33B144}" type="slidenum">
+            <a:fld id="{E36F56F2-6276-4FB8-969E-DF2D4D5A41CF}" type="slidenum">
               <a:rPr b="0" lang="en-US" sz="1200" spc="-1" strike="noStrike">
                 <a:solidFill>
                   <a:srgbClr val="000000"/>
@@ -5427,7 +5427,7 @@
         <p:spPr>
           <a:xfrm>
             <a:off x="380880" y="685800"/>
-            <a:ext cx="6090480" cy="3423600"/>
+            <a:ext cx="6090120" cy="3423240"/>
           </a:xfrm>
           <a:prstGeom prst="rect">
             <a:avLst/>
@@ -5450,7 +5450,7 @@
         <p:spPr>
           <a:xfrm>
             <a:off x="685800" y="4343400"/>
-            <a:ext cx="5481000" cy="4109400"/>
+            <a:ext cx="5480640" cy="4109040"/>
           </a:xfrm>
           <a:prstGeom prst="rect">
             <a:avLst/>
@@ -5484,7 +5484,7 @@
         <p:spPr>
           <a:xfrm>
             <a:off x="3884760" y="8685360"/>
-            <a:ext cx="2966400" cy="451800"/>
+            <a:ext cx="2966040" cy="451440"/>
           </a:xfrm>
           <a:prstGeom prst="rect">
             <a:avLst/>
@@ -5520,7 +5520,7 @@
               </a:lnSpc>
               <a:buNone/>
             </a:pPr>
-            <a:fld id="{9CC51EE9-6787-4871-A65F-16C03B3FFE6F}" type="slidenum">
+            <a:fld id="{5FD5ACA7-41EC-4F76-997D-E4AEEF2A2024}" type="slidenum">
               <a:rPr b="0" lang="en-US" sz="1200" spc="-1" strike="noStrike">
                 <a:solidFill>
                   <a:srgbClr val="000000"/>
@@ -5571,7 +5571,7 @@
         <p:spPr>
           <a:xfrm>
             <a:off x="380880" y="685800"/>
-            <a:ext cx="6090480" cy="3423600"/>
+            <a:ext cx="6090120" cy="3423240"/>
           </a:xfrm>
           <a:prstGeom prst="rect">
             <a:avLst/>
@@ -5594,7 +5594,7 @@
         <p:spPr>
           <a:xfrm>
             <a:off x="685800" y="4343400"/>
-            <a:ext cx="5481000" cy="4109400"/>
+            <a:ext cx="5480640" cy="4109040"/>
           </a:xfrm>
           <a:prstGeom prst="rect">
             <a:avLst/>
@@ -5628,7 +5628,7 @@
         <p:spPr>
           <a:xfrm>
             <a:off x="3884760" y="8685360"/>
-            <a:ext cx="2966400" cy="451800"/>
+            <a:ext cx="2966040" cy="451440"/>
           </a:xfrm>
           <a:prstGeom prst="rect">
             <a:avLst/>
@@ -5664,7 +5664,7 @@
               </a:lnSpc>
               <a:buNone/>
             </a:pPr>
-            <a:fld id="{6914A2DF-ECE5-4068-B161-47B8C35CE1E1}" type="slidenum">
+            <a:fld id="{70EA663E-A669-4F55-BE0D-5914AEB2A374}" type="slidenum">
               <a:rPr b="0" lang="en-US" sz="1200" spc="-1" strike="noStrike">
                 <a:solidFill>
                   <a:srgbClr val="000000"/>
@@ -5715,7 +5715,7 @@
         <p:spPr>
           <a:xfrm>
             <a:off x="380880" y="685800"/>
-            <a:ext cx="6090480" cy="3423600"/>
+            <a:ext cx="6090120" cy="3423240"/>
           </a:xfrm>
           <a:prstGeom prst="rect">
             <a:avLst/>
@@ -5738,7 +5738,7 @@
         <p:spPr>
           <a:xfrm>
             <a:off x="685800" y="4343400"/>
-            <a:ext cx="5481000" cy="4109400"/>
+            <a:ext cx="5480640" cy="4109040"/>
           </a:xfrm>
           <a:prstGeom prst="rect">
             <a:avLst/>
@@ -5772,7 +5772,7 @@
         <p:spPr>
           <a:xfrm>
             <a:off x="3884760" y="8685360"/>
-            <a:ext cx="2966400" cy="451800"/>
+            <a:ext cx="2966040" cy="451440"/>
           </a:xfrm>
           <a:prstGeom prst="rect">
             <a:avLst/>
@@ -5808,7 +5808,7 @@
               </a:lnSpc>
               <a:buNone/>
             </a:pPr>
-            <a:fld id="{B9FB2E30-4EC6-4FEC-B66B-A6C3AB627FA2}" type="slidenum">
+            <a:fld id="{F429AC1C-0EF1-4708-BDC1-15124C7DB0A6}" type="slidenum">
               <a:rPr b="0" lang="en-US" sz="1200" spc="-1" strike="noStrike">
                 <a:solidFill>
                   <a:srgbClr val="000000"/>
@@ -5859,7 +5859,7 @@
         <p:spPr>
           <a:xfrm>
             <a:off x="380880" y="685800"/>
-            <a:ext cx="6090480" cy="3423600"/>
+            <a:ext cx="6090120" cy="3423240"/>
           </a:xfrm>
           <a:prstGeom prst="rect">
             <a:avLst/>
@@ -5882,7 +5882,7 @@
         <p:spPr>
           <a:xfrm>
             <a:off x="685800" y="4343400"/>
-            <a:ext cx="5481000" cy="4109400"/>
+            <a:ext cx="5480640" cy="4109040"/>
           </a:xfrm>
           <a:prstGeom prst="rect">
             <a:avLst/>
@@ -5916,7 +5916,7 @@
         <p:spPr>
           <a:xfrm>
             <a:off x="3884760" y="8685360"/>
-            <a:ext cx="2966400" cy="451800"/>
+            <a:ext cx="2966040" cy="451440"/>
           </a:xfrm>
           <a:prstGeom prst="rect">
             <a:avLst/>
@@ -5952,7 +5952,7 @@
               </a:lnSpc>
               <a:buNone/>
             </a:pPr>
-            <a:fld id="{31BFE5A4-64E3-4054-905F-921CA8152F50}" type="slidenum">
+            <a:fld id="{A13ACE4E-6FC0-45E2-AB88-7583AA08A907}" type="slidenum">
               <a:rPr b="0" lang="en-US" sz="1200" spc="-1" strike="noStrike">
                 <a:solidFill>
                   <a:srgbClr val="000000"/>
@@ -6003,7 +6003,7 @@
         <p:spPr>
           <a:xfrm>
             <a:off x="380880" y="685800"/>
-            <a:ext cx="6090480" cy="3423600"/>
+            <a:ext cx="6090120" cy="3423240"/>
           </a:xfrm>
           <a:prstGeom prst="rect">
             <a:avLst/>
@@ -6026,7 +6026,7 @@
         <p:spPr>
           <a:xfrm>
             <a:off x="685800" y="4343400"/>
-            <a:ext cx="5481000" cy="4109400"/>
+            <a:ext cx="5480640" cy="4109040"/>
           </a:xfrm>
           <a:prstGeom prst="rect">
             <a:avLst/>
@@ -6060,7 +6060,7 @@
         <p:spPr>
           <a:xfrm>
             <a:off x="3884760" y="8685360"/>
-            <a:ext cx="2966400" cy="451800"/>
+            <a:ext cx="2966040" cy="451440"/>
           </a:xfrm>
           <a:prstGeom prst="rect">
             <a:avLst/>
@@ -6096,7 +6096,7 @@
               </a:lnSpc>
               <a:buNone/>
             </a:pPr>
-            <a:fld id="{66A75540-0744-41F1-9151-C0F04A3E8615}" type="slidenum">
+            <a:fld id="{F108E31D-955D-4351-897A-959DF66B4CE9}" type="slidenum">
               <a:rPr b="0" lang="en-US" sz="1200" spc="-1" strike="noStrike">
                 <a:solidFill>
                   <a:srgbClr val="000000"/>
@@ -6147,7 +6147,7 @@
         <p:spPr>
           <a:xfrm>
             <a:off x="380880" y="685800"/>
-            <a:ext cx="6090480" cy="3423600"/>
+            <a:ext cx="6090120" cy="3423240"/>
           </a:xfrm>
           <a:prstGeom prst="rect">
             <a:avLst/>
@@ -6170,7 +6170,7 @@
         <p:spPr>
           <a:xfrm>
             <a:off x="685800" y="4343400"/>
-            <a:ext cx="5481000" cy="4109400"/>
+            <a:ext cx="5480640" cy="4109040"/>
           </a:xfrm>
           <a:prstGeom prst="rect">
             <a:avLst/>
@@ -6204,7 +6204,7 @@
         <p:spPr>
           <a:xfrm>
             <a:off x="3884760" y="8685360"/>
-            <a:ext cx="2966400" cy="451800"/>
+            <a:ext cx="2966040" cy="451440"/>
           </a:xfrm>
           <a:prstGeom prst="rect">
             <a:avLst/>
@@ -6240,7 +6240,7 @@
               </a:lnSpc>
               <a:buNone/>
             </a:pPr>
-            <a:fld id="{3397D2CF-250F-4D28-B810-4515C69A9779}" type="slidenum">
+            <a:fld id="{9D543625-27FE-41E7-86AD-81C3DB3241AF}" type="slidenum">
               <a:rPr b="0" lang="en-US" sz="1200" spc="-1" strike="noStrike">
                 <a:solidFill>
                   <a:srgbClr val="000000"/>
@@ -6291,7 +6291,7 @@
         <p:spPr>
           <a:xfrm>
             <a:off x="380880" y="685800"/>
-            <a:ext cx="6090480" cy="3423600"/>
+            <a:ext cx="6090120" cy="3423240"/>
           </a:xfrm>
           <a:prstGeom prst="rect">
             <a:avLst/>
@@ -6314,7 +6314,7 @@
         <p:spPr>
           <a:xfrm>
             <a:off x="685800" y="4343400"/>
-            <a:ext cx="5481000" cy="4109400"/>
+            <a:ext cx="5480640" cy="4109040"/>
           </a:xfrm>
           <a:prstGeom prst="rect">
             <a:avLst/>
@@ -6348,7 +6348,7 @@
         <p:spPr>
           <a:xfrm>
             <a:off x="3884760" y="8685360"/>
-            <a:ext cx="2966400" cy="451800"/>
+            <a:ext cx="2966040" cy="451440"/>
           </a:xfrm>
           <a:prstGeom prst="rect">
             <a:avLst/>
@@ -6384,7 +6384,7 @@
               </a:lnSpc>
               <a:buNone/>
             </a:pPr>
-            <a:fld id="{75C12565-ABE3-42E2-AC56-A879E2F33B44}" type="slidenum">
+            <a:fld id="{BF1CDB68-E242-49EC-8EFD-471BFFE745A3}" type="slidenum">
               <a:rPr b="0" lang="en-US" sz="1200" spc="-1" strike="noStrike">
                 <a:solidFill>
                   <a:srgbClr val="000000"/>
@@ -6435,7 +6435,7 @@
         <p:spPr>
           <a:xfrm>
             <a:off x="380880" y="685800"/>
-            <a:ext cx="6090480" cy="3423600"/>
+            <a:ext cx="6090120" cy="3423240"/>
           </a:xfrm>
           <a:prstGeom prst="rect">
             <a:avLst/>
@@ -6458,7 +6458,7 @@
         <p:spPr>
           <a:xfrm>
             <a:off x="685800" y="4343400"/>
-            <a:ext cx="5481000" cy="4109400"/>
+            <a:ext cx="5480640" cy="4109040"/>
           </a:xfrm>
           <a:prstGeom prst="rect">
             <a:avLst/>
@@ -6492,7 +6492,7 @@
         <p:spPr>
           <a:xfrm>
             <a:off x="3884760" y="8685360"/>
-            <a:ext cx="2966400" cy="451800"/>
+            <a:ext cx="2966040" cy="451440"/>
           </a:xfrm>
           <a:prstGeom prst="rect">
             <a:avLst/>
@@ -6528,7 +6528,7 @@
               </a:lnSpc>
               <a:buNone/>
             </a:pPr>
-            <a:fld id="{E83F3BF7-0A9E-49E8-AA85-FA119CE6C185}" type="slidenum">
+            <a:fld id="{DA8B56FF-734E-4412-BFCD-A0F44215B323}" type="slidenum">
               <a:rPr b="0" lang="en-US" sz="1200" spc="-1" strike="noStrike">
                 <a:solidFill>
                   <a:srgbClr val="000000"/>
@@ -6579,7 +6579,7 @@
         <p:spPr>
           <a:xfrm>
             <a:off x="380880" y="685800"/>
-            <a:ext cx="6090480" cy="3423600"/>
+            <a:ext cx="6090120" cy="3423240"/>
           </a:xfrm>
           <a:prstGeom prst="rect">
             <a:avLst/>
@@ -6602,7 +6602,7 @@
         <p:spPr>
           <a:xfrm>
             <a:off x="685800" y="4343400"/>
-            <a:ext cx="5481000" cy="4109400"/>
+            <a:ext cx="5480640" cy="4109040"/>
           </a:xfrm>
           <a:prstGeom prst="rect">
             <a:avLst/>
@@ -6636,7 +6636,7 @@
         <p:spPr>
           <a:xfrm>
             <a:off x="3884760" y="8685360"/>
-            <a:ext cx="2966400" cy="451800"/>
+            <a:ext cx="2966040" cy="451440"/>
           </a:xfrm>
           <a:prstGeom prst="rect">
             <a:avLst/>
@@ -6672,7 +6672,7 @@
               </a:lnSpc>
               <a:buNone/>
             </a:pPr>
-            <a:fld id="{0402B2E0-E430-42C2-B7DF-15981B9C7655}" type="slidenum">
+            <a:fld id="{3C008EF3-489A-4B23-B9F1-48145853C8BA}" type="slidenum">
               <a:rPr b="0" lang="en-US" sz="1200" spc="-1" strike="noStrike">
                 <a:solidFill>
                   <a:srgbClr val="000000"/>
@@ -6723,7 +6723,7 @@
         <p:spPr>
           <a:xfrm>
             <a:off x="380880" y="685800"/>
-            <a:ext cx="6090480" cy="3423600"/>
+            <a:ext cx="6090120" cy="3423240"/>
           </a:xfrm>
           <a:prstGeom prst="rect">
             <a:avLst/>
@@ -6746,7 +6746,7 @@
         <p:spPr>
           <a:xfrm>
             <a:off x="685800" y="4343400"/>
-            <a:ext cx="5481000" cy="4109400"/>
+            <a:ext cx="5480640" cy="4109040"/>
           </a:xfrm>
           <a:prstGeom prst="rect">
             <a:avLst/>
@@ -6780,7 +6780,7 @@
         <p:spPr>
           <a:xfrm>
             <a:off x="3884760" y="8685360"/>
-            <a:ext cx="2966400" cy="451800"/>
+            <a:ext cx="2966040" cy="451440"/>
           </a:xfrm>
           <a:prstGeom prst="rect">
             <a:avLst/>
@@ -6816,7 +6816,7 @@
               </a:lnSpc>
               <a:buNone/>
             </a:pPr>
-            <a:fld id="{8360BD8B-64BA-4EC4-A02A-9345B94E0821}" type="slidenum">
+            <a:fld id="{5039FFB1-957B-4243-A651-AB0D7A5788E0}" type="slidenum">
               <a:rPr b="0" lang="en-US" sz="1200" spc="-1" strike="noStrike">
                 <a:solidFill>
                   <a:srgbClr val="000000"/>
@@ -6867,7 +6867,7 @@
         <p:spPr>
           <a:xfrm>
             <a:off x="380880" y="685800"/>
-            <a:ext cx="6090480" cy="3423600"/>
+            <a:ext cx="6090120" cy="3423240"/>
           </a:xfrm>
           <a:prstGeom prst="rect">
             <a:avLst/>
@@ -6890,7 +6890,7 @@
         <p:spPr>
           <a:xfrm>
             <a:off x="685800" y="4343400"/>
-            <a:ext cx="5481000" cy="4109400"/>
+            <a:ext cx="5480640" cy="4109040"/>
           </a:xfrm>
           <a:prstGeom prst="rect">
             <a:avLst/>
@@ -6924,7 +6924,7 @@
         <p:spPr>
           <a:xfrm>
             <a:off x="3884760" y="8685360"/>
-            <a:ext cx="2966400" cy="451800"/>
+            <a:ext cx="2966040" cy="451440"/>
           </a:xfrm>
           <a:prstGeom prst="rect">
             <a:avLst/>
@@ -6960,7 +6960,7 @@
               </a:lnSpc>
               <a:buNone/>
             </a:pPr>
-            <a:fld id="{64977081-8427-4122-948E-9858EBD75BEB}" type="slidenum">
+            <a:fld id="{2B1EFC67-9427-41FA-9D86-84E7ADB600AA}" type="slidenum">
               <a:rPr b="0" lang="en-US" sz="1200" spc="-1" strike="noStrike">
                 <a:solidFill>
                   <a:srgbClr val="000000"/>
@@ -7011,7 +7011,7 @@
         <p:spPr>
           <a:xfrm>
             <a:off x="380880" y="685800"/>
-            <a:ext cx="6090480" cy="3423600"/>
+            <a:ext cx="6090120" cy="3423240"/>
           </a:xfrm>
           <a:prstGeom prst="rect">
             <a:avLst/>
@@ -7034,7 +7034,7 @@
         <p:spPr>
           <a:xfrm>
             <a:off x="685800" y="4343400"/>
-            <a:ext cx="5481000" cy="4109400"/>
+            <a:ext cx="5480640" cy="4109040"/>
           </a:xfrm>
           <a:prstGeom prst="rect">
             <a:avLst/>
@@ -7068,7 +7068,7 @@
         <p:spPr>
           <a:xfrm>
             <a:off x="3884760" y="8685360"/>
-            <a:ext cx="2966400" cy="451800"/>
+            <a:ext cx="2966040" cy="451440"/>
           </a:xfrm>
           <a:prstGeom prst="rect">
             <a:avLst/>
@@ -7104,7 +7104,7 @@
               </a:lnSpc>
               <a:buNone/>
             </a:pPr>
-            <a:fld id="{311F8510-EFE8-498A-95B6-40C79ABF33B1}" type="slidenum">
+            <a:fld id="{60401C42-596C-45A3-8B3A-4553DE54025B}" type="slidenum">
               <a:rPr b="0" lang="en-US" sz="1200" spc="-1" strike="noStrike">
                 <a:solidFill>
                   <a:srgbClr val="000000"/>
@@ -7155,7 +7155,7 @@
         <p:spPr>
           <a:xfrm>
             <a:off x="380880" y="685800"/>
-            <a:ext cx="6090480" cy="3423600"/>
+            <a:ext cx="6090120" cy="3423240"/>
           </a:xfrm>
           <a:prstGeom prst="rect">
             <a:avLst/>
@@ -7178,7 +7178,7 @@
         <p:spPr>
           <a:xfrm>
             <a:off x="685800" y="4343400"/>
-            <a:ext cx="5481000" cy="4109400"/>
+            <a:ext cx="5480640" cy="4109040"/>
           </a:xfrm>
           <a:prstGeom prst="rect">
             <a:avLst/>
@@ -7212,7 +7212,7 @@
         <p:spPr>
           <a:xfrm>
             <a:off x="3884760" y="8685360"/>
-            <a:ext cx="2966400" cy="451800"/>
+            <a:ext cx="2966040" cy="451440"/>
           </a:xfrm>
           <a:prstGeom prst="rect">
             <a:avLst/>
@@ -7248,7 +7248,7 @@
               </a:lnSpc>
               <a:buNone/>
             </a:pPr>
-            <a:fld id="{C2FDFC2F-2B8E-49B4-9184-06A451975791}" type="slidenum">
+            <a:fld id="{4103CA21-F369-4601-8708-9C90FE8C44EB}" type="slidenum">
               <a:rPr b="0" lang="en-US" sz="1200" spc="-1" strike="noStrike">
                 <a:solidFill>
                   <a:srgbClr val="000000"/>
@@ -7320,7 +7320,7 @@
         <p:txBody>
           <a:bodyPr/>
           <a:p>
-            <a:fld id="{8BFA67BD-DD46-4BC8-B9BE-31614337566D}" type="slidenum">
+            <a:fld id="{C18957AE-605C-484C-ABB9-34947FE7B5AC}" type="slidenum">
               <a:t>&lt;#&gt;</a:t>
             </a:fld>
           </a:p>
@@ -7508,7 +7508,7 @@
         <p:txBody>
           <a:bodyPr/>
           <a:p>
-            <a:fld id="{A01C20B6-41D5-47C5-836C-DE091F37D1CF}" type="slidenum">
+            <a:fld id="{2662F242-C1FE-4DF9-9F4C-7DCAF375A0CB}" type="slidenum">
               <a:t>&lt;#&gt;</a:t>
             </a:fld>
           </a:p>
@@ -7764,7 +7764,7 @@
         <p:txBody>
           <a:bodyPr/>
           <a:p>
-            <a:fld id="{C48A6D82-7F7A-4D80-BDA6-D1C188C98F48}" type="slidenum">
+            <a:fld id="{C83DFCCF-BFCB-49E4-8F39-ACE77CF20203}" type="slidenum">
               <a:t>&lt;#&gt;</a:t>
             </a:fld>
           </a:p>
@@ -8088,7 +8088,7 @@
         <p:txBody>
           <a:bodyPr/>
           <a:p>
-            <a:fld id="{2A94693D-62CA-4105-9FA6-8327C9B222C1}" type="slidenum">
+            <a:fld id="{33755C41-1B96-454B-96BC-AE3005E99051}" type="slidenum">
               <a:t>&lt;#&gt;</a:t>
             </a:fld>
           </a:p>
@@ -8245,7 +8245,7 @@
         <p:txBody>
           <a:bodyPr/>
           <a:p>
-            <a:fld id="{168F24CA-8765-48F7-BDD3-502DC6798849}" type="slidenum">
+            <a:fld id="{D5E464C3-D321-4707-88D1-7B5772FF1219}" type="slidenum">
               <a:t>&lt;#&gt;</a:t>
             </a:fld>
           </a:p>
@@ -8399,7 +8399,7 @@
         <p:txBody>
           <a:bodyPr/>
           <a:p>
-            <a:fld id="{ACED1BD6-488E-4B9B-BF1C-EDD64B24F9FC}" type="slidenum">
+            <a:fld id="{1783D3D2-B2CB-4C66-89AF-26D350F8C57C}" type="slidenum">
               <a:t>&lt;#&gt;</a:t>
             </a:fld>
           </a:p>
@@ -8587,7 +8587,7 @@
         <p:txBody>
           <a:bodyPr/>
           <a:p>
-            <a:fld id="{17DB7964-B1A1-42D8-81F9-ABB6C11BBF31}" type="slidenum">
+            <a:fld id="{F56D7CA7-63C8-4E47-8B16-DFB537F41B5A}" type="slidenum">
               <a:t>&lt;#&gt;</a:t>
             </a:fld>
           </a:p>
@@ -8707,7 +8707,7 @@
         <p:txBody>
           <a:bodyPr/>
           <a:p>
-            <a:fld id="{E0A68435-15C1-4B69-A106-932C02872BF7}" type="slidenum">
+            <a:fld id="{F5A8036C-BB5E-4E1B-8B49-6F73328FD1F5}" type="slidenum">
               <a:t>&lt;#&gt;</a:t>
             </a:fld>
           </a:p>
@@ -8827,7 +8827,7 @@
         <p:txBody>
           <a:bodyPr/>
           <a:p>
-            <a:fld id="{40906394-50B0-4716-AEFB-C40A56BB5A05}" type="slidenum">
+            <a:fld id="{2B49D5E6-07C7-4E7B-985C-01A05A8D71B0}" type="slidenum">
               <a:t>&lt;#&gt;</a:t>
             </a:fld>
           </a:p>
@@ -9049,7 +9049,7 @@
         <p:txBody>
           <a:bodyPr/>
           <a:p>
-            <a:fld id="{219034C6-F1D7-4C2C-8579-EC24F3C9C9E3}" type="slidenum">
+            <a:fld id="{56976D30-AD5C-40E2-9082-E17A2C4CB93D}" type="slidenum">
               <a:t>&lt;#&gt;</a:t>
             </a:fld>
           </a:p>
@@ -9271,7 +9271,7 @@
         <p:txBody>
           <a:bodyPr/>
           <a:p>
-            <a:fld id="{CED1E3DB-415B-4605-A549-29FA6EA02182}" type="slidenum">
+            <a:fld id="{C8A59675-D292-4D0D-A387-EBA8AFF56536}" type="slidenum">
               <a:t>&lt;#&gt;</a:t>
             </a:fld>
           </a:p>
@@ -9493,7 +9493,7 @@
         <p:txBody>
           <a:bodyPr/>
           <a:p>
-            <a:fld id="{997ED71D-7B09-4E5A-954A-FE73ABBD8F7D}" type="slidenum">
+            <a:fld id="{0650C954-9B50-47A1-AFC6-406DB6A2B1DA}" type="slidenum">
               <a:t>&lt;#&gt;</a:t>
             </a:fld>
           </a:p>
@@ -9562,7 +9562,7 @@
         <p:spPr>
           <a:xfrm>
             <a:off x="3028680" y="4771440"/>
-            <a:ext cx="3081240" cy="269280"/>
+            <a:ext cx="3080880" cy="268920"/>
           </a:xfrm>
           <a:prstGeom prst="rect">
             <a:avLst/>
@@ -9606,7 +9606,7 @@
                 <a:latin typeface="Times New Roman"/>
                 <a:ea typeface="DejaVu Sans"/>
               </a:rPr>
-              <a:t> </a:t>
+              <a:t>&lt;footer&gt;</a:t>
             </a:r>
             <a:endParaRPr b="0" lang="en-US" sz="1400" spc="-1" strike="noStrike">
               <a:latin typeface="Times New Roman"/>
@@ -9627,7 +9627,7 @@
         <p:spPr>
           <a:xfrm>
             <a:off x="6457680" y="4771440"/>
-            <a:ext cx="2052720" cy="269280"/>
+            <a:ext cx="2052360" cy="268920"/>
           </a:xfrm>
           <a:prstGeom prst="rect">
             <a:avLst/>
@@ -9663,7 +9663,7 @@
               </a:lnSpc>
               <a:buNone/>
             </a:pPr>
-            <a:fld id="{46446100-6242-45F6-B935-6C7AF4AF18D9}" type="slidenum">
+            <a:fld id="{7DBEB92D-6299-41BB-AD88-A7C3E88D1326}" type="slidenum">
               <a:rPr b="0" lang="en-US" sz="1200" spc="-1" strike="noStrike">
                 <a:solidFill>
                   <a:srgbClr val="8b8b8b"/>
@@ -9671,7 +9671,7 @@
                 <a:latin typeface="Calibri"/>
                 <a:ea typeface="DejaVu Sans"/>
               </a:rPr>
-              <a:t>47</a:t>
+              <a:t>&lt;number&gt;</a:t>
             </a:fld>
             <a:endParaRPr b="0" lang="en-US" sz="1200" spc="-1" strike="noStrike">
               <a:latin typeface="Times New Roman"/>
@@ -9692,7 +9692,7 @@
         <p:spPr>
           <a:xfrm>
             <a:off x="628200" y="4771440"/>
-            <a:ext cx="2052720" cy="269280"/>
+            <a:ext cx="2052360" cy="268920"/>
           </a:xfrm>
           <a:prstGeom prst="rect">
             <a:avLst/>
@@ -9718,7 +9718,7 @@
               <a:rPr b="0" lang="en-US" sz="1400" spc="-1" strike="noStrike">
                 <a:latin typeface="Times New Roman"/>
               </a:rPr>
-              <a:t> </a:t>
+              <a:t>&lt;date/time&gt;</a:t>
             </a:r>
             <a:endParaRPr b="0" lang="en-US" sz="1400" spc="-1" strike="noStrike">
               <a:latin typeface="Times New Roman"/>
@@ -10004,8 +10004,8 @@
         </p:nvSpPr>
         <p:spPr>
           <a:xfrm rot="2744400">
-            <a:off x="-279720" y="-25560"/>
-            <a:ext cx="703440" cy="703080"/>
+            <a:off x="-279360" y="-25560"/>
+            <a:ext cx="703080" cy="702720"/>
           </a:xfrm>
           <a:prstGeom prst="roundRect">
             <a:avLst>
@@ -10042,8 +10042,8 @@
         </p:nvSpPr>
         <p:spPr>
           <a:xfrm rot="2625600">
-            <a:off x="6024960" y="4332240"/>
-            <a:ext cx="467280" cy="467280"/>
+            <a:off x="6024960" y="4331880"/>
+            <a:ext cx="466920" cy="466920"/>
           </a:xfrm>
           <a:prstGeom prst="roundRect">
             <a:avLst>
@@ -10080,8 +10080,8 @@
         </p:nvSpPr>
         <p:spPr>
           <a:xfrm rot="18679200">
-            <a:off x="7003080" y="948600"/>
-            <a:ext cx="4938840" cy="4665240"/>
+            <a:off x="7002720" y="948600"/>
+            <a:ext cx="4938480" cy="4664880"/>
           </a:xfrm>
           <a:prstGeom prst="roundRect">
             <a:avLst>
@@ -10119,7 +10119,7 @@
         <p:spPr>
           <a:xfrm>
             <a:off x="459720" y="4671360"/>
-            <a:ext cx="2994480" cy="265320"/>
+            <a:ext cx="2994120" cy="264960"/>
           </a:xfrm>
           <a:prstGeom prst="rect">
             <a:avLst/>
@@ -10184,8 +10184,8 @@
         </p:blipFill>
         <p:spPr>
           <a:xfrm>
-            <a:off x="2423160" y="4671720"/>
-            <a:ext cx="286920" cy="286920"/>
+            <a:off x="3035160" y="4743720"/>
+            <a:ext cx="286560" cy="286560"/>
           </a:xfrm>
           <a:prstGeom prst="rect">
             <a:avLst/>
@@ -10204,7 +10204,7 @@
         <p:spPr>
           <a:xfrm>
             <a:off x="484920" y="1681560"/>
-            <a:ext cx="5479920" cy="1881360"/>
+            <a:ext cx="5479560" cy="1881000"/>
           </a:xfrm>
           <a:prstGeom prst="rect">
             <a:avLst/>
@@ -10292,8 +10292,8 @@
         </p:nvSpPr>
         <p:spPr>
           <a:xfrm rot="2744400">
-            <a:off x="-279720" y="-25560"/>
-            <a:ext cx="703440" cy="703080"/>
+            <a:off x="-279360" y="-25560"/>
+            <a:ext cx="703080" cy="702720"/>
           </a:xfrm>
           <a:prstGeom prst="roundRect">
             <a:avLst>
@@ -10330,8 +10330,8 @@
         </p:nvSpPr>
         <p:spPr>
           <a:xfrm rot="2332200">
-            <a:off x="6009120" y="-319680"/>
-            <a:ext cx="4854600" cy="7725600"/>
+            <a:off x="6009120" y="-319320"/>
+            <a:ext cx="4854240" cy="7725240"/>
           </a:xfrm>
           <a:prstGeom prst="roundRect">
             <a:avLst>
@@ -10369,9 +10369,9 @@
         <p:grpSpPr>
           <a:xfrm>
             <a:off x="4571640" y="828000"/>
-            <a:ext cx="4467240" cy="3563280"/>
+            <a:ext cx="4466880" cy="3562920"/>
             <a:chOff x="4571640" y="828000"/>
-            <a:chExt cx="4467240" cy="3563280"/>
+            <a:chExt cx="4466880" cy="3562920"/>
           </a:xfrm>
         </p:grpSpPr>
         <p:pic>
@@ -10387,7 +10387,7 @@
           <p:spPr>
             <a:xfrm>
               <a:off x="4571640" y="828000"/>
-              <a:ext cx="4467240" cy="3563280"/>
+              <a:ext cx="4466880" cy="3562920"/>
             </a:xfrm>
             <a:prstGeom prst="rect">
               <a:avLst/>
@@ -10405,8 +10405,8 @@
           </p:nvSpPr>
           <p:spPr>
             <a:xfrm rot="16200000">
-              <a:off x="5962680" y="1159920"/>
-              <a:ext cx="1736280" cy="2770200"/>
+              <a:off x="5962680" y="1160280"/>
+              <a:ext cx="1735920" cy="2769840"/>
             </a:xfrm>
             <a:prstGeom prst="roundRect">
               <a:avLst>
@@ -10473,7 +10473,7 @@
         <p:spPr>
           <a:xfrm>
             <a:off x="5446080" y="1672200"/>
-            <a:ext cx="2769840" cy="1736280"/>
+            <a:ext cx="2769480" cy="1735920"/>
           </a:xfrm>
           <a:prstGeom prst="rect">
             <a:avLst/>
@@ -10525,7 +10525,7 @@
         <p:spPr>
           <a:xfrm>
             <a:off x="586440" y="1246680"/>
-            <a:ext cx="4003200" cy="3598920"/>
+            <a:ext cx="4002840" cy="3598560"/>
           </a:xfrm>
           <a:prstGeom prst="rect">
             <a:avLst/>
@@ -10577,7 +10577,7 @@
         <p:spPr>
           <a:xfrm>
             <a:off x="586440" y="453960"/>
-            <a:ext cx="4763160" cy="854280"/>
+            <a:ext cx="4762800" cy="853920"/>
           </a:xfrm>
           <a:prstGeom prst="rect">
             <a:avLst/>
@@ -10665,8 +10665,8 @@
         </p:nvSpPr>
         <p:spPr>
           <a:xfrm rot="2745600">
-            <a:off x="8349840" y="-667800"/>
-            <a:ext cx="1497240" cy="1497240"/>
+            <a:off x="8350200" y="-667800"/>
+            <a:ext cx="1496880" cy="1496880"/>
           </a:xfrm>
           <a:prstGeom prst="roundRect">
             <a:avLst>
@@ -10703,8 +10703,8 @@
         </p:nvSpPr>
         <p:spPr>
           <a:xfrm rot="2745600">
-            <a:off x="7634160" y="-322200"/>
-            <a:ext cx="806040" cy="806400"/>
+            <a:off x="7634160" y="-321840"/>
+            <a:ext cx="805680" cy="806040"/>
           </a:xfrm>
           <a:prstGeom prst="roundRect">
             <a:avLst>
@@ -10743,7 +10743,7 @@
         <p:spPr>
           <a:xfrm>
             <a:off x="586440" y="899640"/>
-            <a:ext cx="7930800" cy="1536120"/>
+            <a:ext cx="7930440" cy="1535760"/>
           </a:xfrm>
           <a:prstGeom prst="rect">
             <a:avLst/>
@@ -10795,7 +10795,7 @@
         <p:spPr>
           <a:xfrm>
             <a:off x="608040" y="2545560"/>
-            <a:ext cx="3711240" cy="2254680"/>
+            <a:ext cx="3710880" cy="2254320"/>
           </a:xfrm>
           <a:prstGeom prst="rect">
             <a:avLst/>
@@ -10847,7 +10847,7 @@
         <p:spPr>
           <a:xfrm>
             <a:off x="4806360" y="2545560"/>
-            <a:ext cx="3711240" cy="2254680"/>
+            <a:ext cx="3710880" cy="2254320"/>
           </a:xfrm>
           <a:prstGeom prst="rect">
             <a:avLst/>
@@ -10899,7 +10899,7 @@
         <p:spPr>
           <a:xfrm>
             <a:off x="583200" y="450720"/>
-            <a:ext cx="7197120" cy="511200"/>
+            <a:ext cx="7196760" cy="510840"/>
           </a:xfrm>
           <a:prstGeom prst="rect">
             <a:avLst/>
@@ -10981,7 +10981,7 @@
         <p:spPr>
           <a:xfrm>
             <a:off x="586440" y="1246680"/>
-            <a:ext cx="4003200" cy="3598920"/>
+            <a:ext cx="4002840" cy="3598560"/>
           </a:xfrm>
           <a:prstGeom prst="rect">
             <a:avLst/>
@@ -11033,7 +11033,7 @@
         <p:spPr>
           <a:xfrm>
             <a:off x="559800" y="446040"/>
-            <a:ext cx="4282560" cy="682560"/>
+            <a:ext cx="4282200" cy="682200"/>
           </a:xfrm>
           <a:prstGeom prst="rect">
             <a:avLst/>
@@ -11085,7 +11085,7 @@
         <p:spPr>
           <a:xfrm>
             <a:off x="5097600" y="360"/>
-            <a:ext cx="4378680" cy="5142960"/>
+            <a:ext cx="4378320" cy="5142600"/>
           </a:xfrm>
           <a:prstGeom prst="roundRect">
             <a:avLst>
@@ -11150,8 +11150,8 @@
         </p:nvSpPr>
         <p:spPr>
           <a:xfrm rot="2744400">
-            <a:off x="-279720" y="-25560"/>
-            <a:ext cx="703440" cy="703080"/>
+            <a:off x="-279360" y="-25560"/>
+            <a:ext cx="703080" cy="702720"/>
           </a:xfrm>
           <a:prstGeom prst="roundRect">
             <a:avLst>
@@ -11188,8 +11188,8 @@
         </p:nvSpPr>
         <p:spPr>
           <a:xfrm rot="2625600">
-            <a:off x="4861080" y="4146120"/>
-            <a:ext cx="467280" cy="467280"/>
+            <a:off x="4861080" y="4145760"/>
+            <a:ext cx="466920" cy="466920"/>
           </a:xfrm>
           <a:prstGeom prst="roundRect">
             <a:avLst>
@@ -11263,8 +11263,8 @@
         </p:nvSpPr>
         <p:spPr>
           <a:xfrm rot="2744400">
-            <a:off x="-348840" y="4539240"/>
-            <a:ext cx="703440" cy="703080"/>
+            <a:off x="-348480" y="4538880"/>
+            <a:ext cx="703080" cy="702720"/>
           </a:xfrm>
           <a:prstGeom prst="roundRect">
             <a:avLst>
@@ -11301,8 +11301,8 @@
         </p:nvSpPr>
         <p:spPr>
           <a:xfrm rot="19228200">
-            <a:off x="5845680" y="-2265480"/>
-            <a:ext cx="4854240" cy="7725240"/>
+            <a:off x="5845320" y="-2265120"/>
+            <a:ext cx="4853880" cy="7724880"/>
           </a:xfrm>
           <a:prstGeom prst="roundRect">
             <a:avLst>
@@ -11340,9 +11340,9 @@
         <p:grpSpPr>
           <a:xfrm>
             <a:off x="4571640" y="828000"/>
-            <a:ext cx="4467240" cy="3563280"/>
+            <a:ext cx="4466880" cy="3562920"/>
             <a:chOff x="4571640" y="828000"/>
-            <a:chExt cx="4467240" cy="3563280"/>
+            <a:chExt cx="4466880" cy="3562920"/>
           </a:xfrm>
         </p:grpSpPr>
         <p:pic>
@@ -11358,7 +11358,7 @@
           <p:spPr>
             <a:xfrm>
               <a:off x="4571640" y="828000"/>
-              <a:ext cx="4467240" cy="3563280"/>
+              <a:ext cx="4466880" cy="3562920"/>
             </a:xfrm>
             <a:prstGeom prst="rect">
               <a:avLst/>
@@ -11376,8 +11376,8 @@
           </p:nvSpPr>
           <p:spPr>
             <a:xfrm rot="16200000">
-              <a:off x="5962680" y="1159920"/>
-              <a:ext cx="1736280" cy="2770200"/>
+              <a:off x="5962680" y="1160280"/>
+              <a:ext cx="1735920" cy="2769840"/>
             </a:xfrm>
             <a:prstGeom prst="roundRect">
               <a:avLst>
@@ -11444,7 +11444,7 @@
         <p:spPr>
           <a:xfrm>
             <a:off x="586440" y="1246680"/>
-            <a:ext cx="4003200" cy="3598920"/>
+            <a:ext cx="4002840" cy="3598560"/>
           </a:xfrm>
           <a:prstGeom prst="rect">
             <a:avLst/>
@@ -11496,7 +11496,7 @@
         <p:spPr>
           <a:xfrm>
             <a:off x="5446080" y="1672200"/>
-            <a:ext cx="2779200" cy="1736280"/>
+            <a:ext cx="2778840" cy="1735920"/>
           </a:xfrm>
           <a:prstGeom prst="rect">
             <a:avLst/>
@@ -11548,7 +11548,7 @@
         <p:spPr>
           <a:xfrm>
             <a:off x="586440" y="453960"/>
-            <a:ext cx="3695760" cy="854280"/>
+            <a:ext cx="3695400" cy="853920"/>
           </a:xfrm>
           <a:prstGeom prst="rect">
             <a:avLst/>
@@ -11637,7 +11637,7 @@
         <p:spPr>
           <a:xfrm>
             <a:off x="4222080" y="1246680"/>
-            <a:ext cx="4114080" cy="3598920"/>
+            <a:ext cx="4113720" cy="3598560"/>
           </a:xfrm>
           <a:prstGeom prst="rect">
             <a:avLst/>
@@ -11688,8 +11688,8 @@
         </p:nvSpPr>
         <p:spPr>
           <a:xfrm rot="16200000">
-            <a:off x="-2181600" y="1734480"/>
-            <a:ext cx="5142960" cy="1683000"/>
+            <a:off x="-2181600" y="1734840"/>
+            <a:ext cx="5142600" cy="1682640"/>
           </a:xfrm>
           <a:prstGeom prst="roundRect">
             <a:avLst>
@@ -11726,8 +11726,8 @@
         </p:nvSpPr>
         <p:spPr>
           <a:xfrm rot="2745000">
-            <a:off x="8575200" y="102960"/>
-            <a:ext cx="1131480" cy="1131120"/>
+            <a:off x="8575200" y="102600"/>
+            <a:ext cx="1131120" cy="1130760"/>
           </a:xfrm>
           <a:prstGeom prst="roundRect">
             <a:avLst>
@@ -11764,8 +11764,8 @@
         </p:nvSpPr>
         <p:spPr>
           <a:xfrm rot="16200000">
-            <a:off x="614880" y="919800"/>
-            <a:ext cx="3231000" cy="3312720"/>
+            <a:off x="614880" y="920160"/>
+            <a:ext cx="3230640" cy="3312360"/>
           </a:xfrm>
           <a:prstGeom prst="roundRect">
             <a:avLst>
@@ -11831,7 +11831,7 @@
         <p:spPr>
           <a:xfrm>
             <a:off x="4214160" y="456120"/>
-            <a:ext cx="4110840" cy="854280"/>
+            <a:ext cx="4110480" cy="853920"/>
           </a:xfrm>
           <a:prstGeom prst="rect">
             <a:avLst/>
@@ -11919,8 +11919,8 @@
         </p:nvSpPr>
         <p:spPr>
           <a:xfrm rot="2744400">
-            <a:off x="-279720" y="-25560"/>
-            <a:ext cx="703440" cy="703080"/>
+            <a:off x="-279360" y="-25560"/>
+            <a:ext cx="703080" cy="702720"/>
           </a:xfrm>
           <a:prstGeom prst="roundRect">
             <a:avLst>
@@ -11957,8 +11957,8 @@
         </p:nvSpPr>
         <p:spPr>
           <a:xfrm rot="2332200">
-            <a:off x="6009120" y="-319680"/>
-            <a:ext cx="4854600" cy="7725600"/>
+            <a:off x="6009120" y="-319320"/>
+            <a:ext cx="4854240" cy="7725240"/>
           </a:xfrm>
           <a:prstGeom prst="roundRect">
             <a:avLst>
@@ -11996,9 +11996,9 @@
         <p:grpSpPr>
           <a:xfrm>
             <a:off x="4571640" y="828000"/>
-            <a:ext cx="4467240" cy="3563280"/>
+            <a:ext cx="4466880" cy="3562920"/>
             <a:chOff x="4571640" y="828000"/>
-            <a:chExt cx="4467240" cy="3563280"/>
+            <a:chExt cx="4466880" cy="3562920"/>
           </a:xfrm>
         </p:grpSpPr>
         <p:pic>
@@ -12014,7 +12014,7 @@
           <p:spPr>
             <a:xfrm>
               <a:off x="4571640" y="828000"/>
-              <a:ext cx="4467240" cy="3563280"/>
+              <a:ext cx="4466880" cy="3562920"/>
             </a:xfrm>
             <a:prstGeom prst="rect">
               <a:avLst/>
@@ -12032,8 +12032,8 @@
           </p:nvSpPr>
           <p:spPr>
             <a:xfrm rot="16200000">
-              <a:off x="5962680" y="1159920"/>
-              <a:ext cx="1736280" cy="2770200"/>
+              <a:off x="5962680" y="1160280"/>
+              <a:ext cx="1735920" cy="2769840"/>
             </a:xfrm>
             <a:prstGeom prst="roundRect">
               <a:avLst>
@@ -12100,7 +12100,7 @@
         <p:spPr>
           <a:xfrm>
             <a:off x="5446080" y="1672200"/>
-            <a:ext cx="2769840" cy="1736280"/>
+            <a:ext cx="2769480" cy="1735920"/>
           </a:xfrm>
           <a:prstGeom prst="rect">
             <a:avLst/>
@@ -12152,7 +12152,7 @@
         <p:spPr>
           <a:xfrm>
             <a:off x="586440" y="1246680"/>
-            <a:ext cx="4003200" cy="3598920"/>
+            <a:ext cx="4002840" cy="3598560"/>
           </a:xfrm>
           <a:prstGeom prst="rect">
             <a:avLst/>
@@ -12204,7 +12204,7 @@
         <p:spPr>
           <a:xfrm>
             <a:off x="586440" y="453960"/>
-            <a:ext cx="4763160" cy="854280"/>
+            <a:ext cx="4762800" cy="853920"/>
           </a:xfrm>
           <a:prstGeom prst="rect">
             <a:avLst/>
@@ -12292,8 +12292,8 @@
         </p:nvSpPr>
         <p:spPr>
           <a:xfrm rot="2745600">
-            <a:off x="8349840" y="-667800"/>
-            <a:ext cx="1497240" cy="1497240"/>
+            <a:off x="8350200" y="-667800"/>
+            <a:ext cx="1496880" cy="1496880"/>
           </a:xfrm>
           <a:prstGeom prst="roundRect">
             <a:avLst>
@@ -12330,8 +12330,8 @@
         </p:nvSpPr>
         <p:spPr>
           <a:xfrm rot="2745600">
-            <a:off x="7634160" y="-322200"/>
-            <a:ext cx="806040" cy="806400"/>
+            <a:off x="7634160" y="-321840"/>
+            <a:ext cx="805680" cy="806040"/>
           </a:xfrm>
           <a:prstGeom prst="roundRect">
             <a:avLst>
@@ -12370,7 +12370,7 @@
         <p:spPr>
           <a:xfrm>
             <a:off x="586440" y="899640"/>
-            <a:ext cx="7930800" cy="1536120"/>
+            <a:ext cx="7930440" cy="1535760"/>
           </a:xfrm>
           <a:prstGeom prst="rect">
             <a:avLst/>
@@ -12422,7 +12422,7 @@
         <p:spPr>
           <a:xfrm>
             <a:off x="608040" y="2545560"/>
-            <a:ext cx="3711240" cy="2254680"/>
+            <a:ext cx="3710880" cy="2254320"/>
           </a:xfrm>
           <a:prstGeom prst="rect">
             <a:avLst/>
@@ -12474,7 +12474,7 @@
         <p:spPr>
           <a:xfrm>
             <a:off x="4806360" y="2545560"/>
-            <a:ext cx="3711240" cy="2254680"/>
+            <a:ext cx="3710880" cy="2254320"/>
           </a:xfrm>
           <a:prstGeom prst="rect">
             <a:avLst/>
@@ -12526,7 +12526,7 @@
         <p:spPr>
           <a:xfrm>
             <a:off x="583200" y="450720"/>
-            <a:ext cx="7197120" cy="511200"/>
+            <a:ext cx="7196760" cy="510840"/>
           </a:xfrm>
           <a:prstGeom prst="rect">
             <a:avLst/>
@@ -12608,7 +12608,7 @@
         <p:spPr>
           <a:xfrm>
             <a:off x="586440" y="1246680"/>
-            <a:ext cx="4003200" cy="3598920"/>
+            <a:ext cx="4002840" cy="3598560"/>
           </a:xfrm>
           <a:prstGeom prst="rect">
             <a:avLst/>
@@ -12660,7 +12660,7 @@
         <p:spPr>
           <a:xfrm>
             <a:off x="559800" y="446040"/>
-            <a:ext cx="4282560" cy="682560"/>
+            <a:ext cx="4282200" cy="682200"/>
           </a:xfrm>
           <a:prstGeom prst="rect">
             <a:avLst/>
@@ -12712,7 +12712,7 @@
         <p:spPr>
           <a:xfrm>
             <a:off x="5097600" y="360"/>
-            <a:ext cx="4378680" cy="5142960"/>
+            <a:ext cx="4378320" cy="5142600"/>
           </a:xfrm>
           <a:prstGeom prst="roundRect">
             <a:avLst>
@@ -12777,8 +12777,8 @@
         </p:nvSpPr>
         <p:spPr>
           <a:xfrm rot="2744400">
-            <a:off x="-279720" y="-25560"/>
-            <a:ext cx="703440" cy="703080"/>
+            <a:off x="-279360" y="-25560"/>
+            <a:ext cx="703080" cy="702720"/>
           </a:xfrm>
           <a:prstGeom prst="roundRect">
             <a:avLst>
@@ -12815,8 +12815,8 @@
         </p:nvSpPr>
         <p:spPr>
           <a:xfrm rot="2625600">
-            <a:off x="4861080" y="4146120"/>
-            <a:ext cx="467280" cy="467280"/>
+            <a:off x="4861080" y="4145760"/>
+            <a:ext cx="466920" cy="466920"/>
           </a:xfrm>
           <a:prstGeom prst="roundRect">
             <a:avLst>
@@ -12890,8 +12890,8 @@
         </p:nvSpPr>
         <p:spPr>
           <a:xfrm rot="2744400">
-            <a:off x="-348840" y="4539240"/>
-            <a:ext cx="703440" cy="703080"/>
+            <a:off x="-348480" y="4538880"/>
+            <a:ext cx="703080" cy="702720"/>
           </a:xfrm>
           <a:prstGeom prst="roundRect">
             <a:avLst>
@@ -12928,8 +12928,8 @@
         </p:nvSpPr>
         <p:spPr>
           <a:xfrm rot="19228200">
-            <a:off x="5845680" y="-2265480"/>
-            <a:ext cx="4854240" cy="7725240"/>
+            <a:off x="5845320" y="-2265120"/>
+            <a:ext cx="4853880" cy="7724880"/>
           </a:xfrm>
           <a:prstGeom prst="roundRect">
             <a:avLst>
@@ -12967,9 +12967,9 @@
         <p:grpSpPr>
           <a:xfrm>
             <a:off x="4571640" y="828000"/>
-            <a:ext cx="4467240" cy="3563280"/>
+            <a:ext cx="4466880" cy="3562920"/>
             <a:chOff x="4571640" y="828000"/>
-            <a:chExt cx="4467240" cy="3563280"/>
+            <a:chExt cx="4466880" cy="3562920"/>
           </a:xfrm>
         </p:grpSpPr>
         <p:pic>
@@ -12985,7 +12985,7 @@
           <p:spPr>
             <a:xfrm>
               <a:off x="4571640" y="828000"/>
-              <a:ext cx="4467240" cy="3563280"/>
+              <a:ext cx="4466880" cy="3562920"/>
             </a:xfrm>
             <a:prstGeom prst="rect">
               <a:avLst/>
@@ -13003,8 +13003,8 @@
           </p:nvSpPr>
           <p:spPr>
             <a:xfrm rot="16200000">
-              <a:off x="5962680" y="1159920"/>
-              <a:ext cx="1736280" cy="2770200"/>
+              <a:off x="5962680" y="1160280"/>
+              <a:ext cx="1735920" cy="2769840"/>
             </a:xfrm>
             <a:prstGeom prst="roundRect">
               <a:avLst>
@@ -13071,7 +13071,7 @@
         <p:spPr>
           <a:xfrm>
             <a:off x="586440" y="1246680"/>
-            <a:ext cx="4003200" cy="3598920"/>
+            <a:ext cx="4002840" cy="3598560"/>
           </a:xfrm>
           <a:prstGeom prst="rect">
             <a:avLst/>
@@ -13123,7 +13123,7 @@
         <p:spPr>
           <a:xfrm>
             <a:off x="5446080" y="1672200"/>
-            <a:ext cx="2779200" cy="1736280"/>
+            <a:ext cx="2778840" cy="1735920"/>
           </a:xfrm>
           <a:prstGeom prst="rect">
             <a:avLst/>
@@ -13175,7 +13175,7 @@
         <p:spPr>
           <a:xfrm>
             <a:off x="586440" y="453960"/>
-            <a:ext cx="3695760" cy="854280"/>
+            <a:ext cx="3695400" cy="853920"/>
           </a:xfrm>
           <a:prstGeom prst="rect">
             <a:avLst/>
@@ -13264,7 +13264,7 @@
         <p:spPr>
           <a:xfrm>
             <a:off x="4222080" y="1246680"/>
-            <a:ext cx="4114080" cy="3598920"/>
+            <a:ext cx="4113720" cy="3598560"/>
           </a:xfrm>
           <a:prstGeom prst="rect">
             <a:avLst/>
@@ -13315,8 +13315,8 @@
         </p:nvSpPr>
         <p:spPr>
           <a:xfrm rot="16200000">
-            <a:off x="-2181600" y="1734480"/>
-            <a:ext cx="5142960" cy="1683000"/>
+            <a:off x="-2181600" y="1734840"/>
+            <a:ext cx="5142600" cy="1682640"/>
           </a:xfrm>
           <a:prstGeom prst="roundRect">
             <a:avLst>
@@ -13353,8 +13353,8 @@
         </p:nvSpPr>
         <p:spPr>
           <a:xfrm rot="2745000">
-            <a:off x="8575200" y="102960"/>
-            <a:ext cx="1131480" cy="1131120"/>
+            <a:off x="8575200" y="102600"/>
+            <a:ext cx="1131120" cy="1130760"/>
           </a:xfrm>
           <a:prstGeom prst="roundRect">
             <a:avLst>
@@ -13391,8 +13391,8 @@
         </p:nvSpPr>
         <p:spPr>
           <a:xfrm rot="16200000">
-            <a:off x="614880" y="919800"/>
-            <a:ext cx="3231000" cy="3312720"/>
+            <a:off x="614880" y="920160"/>
+            <a:ext cx="3230640" cy="3312360"/>
           </a:xfrm>
           <a:prstGeom prst="roundRect">
             <a:avLst>
@@ -13458,7 +13458,7 @@
         <p:spPr>
           <a:xfrm>
             <a:off x="4214160" y="456120"/>
-            <a:ext cx="4110840" cy="854280"/>
+            <a:ext cx="4110480" cy="853920"/>
           </a:xfrm>
           <a:prstGeom prst="rect">
             <a:avLst/>
@@ -13540,7 +13540,7 @@
         <p:spPr>
           <a:xfrm>
             <a:off x="586440" y="1246680"/>
-            <a:ext cx="4003200" cy="3598920"/>
+            <a:ext cx="4002840" cy="3598560"/>
           </a:xfrm>
           <a:prstGeom prst="rect">
             <a:avLst/>
@@ -13592,7 +13592,7 @@
         <p:spPr>
           <a:xfrm>
             <a:off x="559800" y="446040"/>
-            <a:ext cx="4282560" cy="682560"/>
+            <a:ext cx="4282200" cy="682200"/>
           </a:xfrm>
           <a:prstGeom prst="rect">
             <a:avLst/>
@@ -13644,7 +13644,7 @@
         <p:spPr>
           <a:xfrm>
             <a:off x="5097600" y="360"/>
-            <a:ext cx="4378680" cy="5142960"/>
+            <a:ext cx="4378320" cy="5142600"/>
           </a:xfrm>
           <a:prstGeom prst="roundRect">
             <a:avLst>
@@ -13709,8 +13709,8 @@
         </p:nvSpPr>
         <p:spPr>
           <a:xfrm rot="2744400">
-            <a:off x="-279720" y="-25560"/>
-            <a:ext cx="703440" cy="703080"/>
+            <a:off x="-279360" y="-25560"/>
+            <a:ext cx="703080" cy="702720"/>
           </a:xfrm>
           <a:prstGeom prst="roundRect">
             <a:avLst>
@@ -13747,8 +13747,8 @@
         </p:nvSpPr>
         <p:spPr>
           <a:xfrm rot="2625600">
-            <a:off x="4861080" y="4146120"/>
-            <a:ext cx="467280" cy="467280"/>
+            <a:off x="4861080" y="4145760"/>
+            <a:ext cx="466920" cy="466920"/>
           </a:xfrm>
           <a:prstGeom prst="roundRect">
             <a:avLst>
@@ -13822,8 +13822,8 @@
         </p:nvSpPr>
         <p:spPr>
           <a:xfrm rot="2744400">
-            <a:off x="-279720" y="-25560"/>
-            <a:ext cx="703440" cy="703080"/>
+            <a:off x="-279360" y="-25560"/>
+            <a:ext cx="703080" cy="702720"/>
           </a:xfrm>
           <a:prstGeom prst="roundRect">
             <a:avLst>
@@ -13860,8 +13860,8 @@
         </p:nvSpPr>
         <p:spPr>
           <a:xfrm rot="2332200">
-            <a:off x="6009120" y="-319680"/>
-            <a:ext cx="4854600" cy="7725600"/>
+            <a:off x="6009120" y="-319320"/>
+            <a:ext cx="4854240" cy="7725240"/>
           </a:xfrm>
           <a:prstGeom prst="roundRect">
             <a:avLst>
@@ -13899,9 +13899,9 @@
         <p:grpSpPr>
           <a:xfrm>
             <a:off x="4571640" y="828000"/>
-            <a:ext cx="4467240" cy="3563280"/>
+            <a:ext cx="4466880" cy="3562920"/>
             <a:chOff x="4571640" y="828000"/>
-            <a:chExt cx="4467240" cy="3563280"/>
+            <a:chExt cx="4466880" cy="3562920"/>
           </a:xfrm>
         </p:grpSpPr>
         <p:pic>
@@ -13917,7 +13917,7 @@
           <p:spPr>
             <a:xfrm>
               <a:off x="4571640" y="828000"/>
-              <a:ext cx="4467240" cy="3563280"/>
+              <a:ext cx="4466880" cy="3562920"/>
             </a:xfrm>
             <a:prstGeom prst="rect">
               <a:avLst/>
@@ -13935,8 +13935,8 @@
           </p:nvSpPr>
           <p:spPr>
             <a:xfrm rot="16200000">
-              <a:off x="5962680" y="1159920"/>
-              <a:ext cx="1736280" cy="2770200"/>
+              <a:off x="5962680" y="1160280"/>
+              <a:ext cx="1735920" cy="2769840"/>
             </a:xfrm>
             <a:prstGeom prst="roundRect">
               <a:avLst>
@@ -14003,7 +14003,7 @@
         <p:spPr>
           <a:xfrm>
             <a:off x="5446080" y="1672200"/>
-            <a:ext cx="2769840" cy="1736280"/>
+            <a:ext cx="2769480" cy="1735920"/>
           </a:xfrm>
           <a:prstGeom prst="rect">
             <a:avLst/>
@@ -14055,7 +14055,7 @@
         <p:spPr>
           <a:xfrm>
             <a:off x="586440" y="1246680"/>
-            <a:ext cx="4003200" cy="3598920"/>
+            <a:ext cx="4002840" cy="3598560"/>
           </a:xfrm>
           <a:prstGeom prst="rect">
             <a:avLst/>
@@ -14107,7 +14107,7 @@
         <p:spPr>
           <a:xfrm>
             <a:off x="586440" y="453960"/>
-            <a:ext cx="4763160" cy="854280"/>
+            <a:ext cx="4762800" cy="853920"/>
           </a:xfrm>
           <a:prstGeom prst="rect">
             <a:avLst/>
@@ -14195,8 +14195,8 @@
         </p:nvSpPr>
         <p:spPr>
           <a:xfrm rot="2745600">
-            <a:off x="8349840" y="-667800"/>
-            <a:ext cx="1497240" cy="1497240"/>
+            <a:off x="8350200" y="-667800"/>
+            <a:ext cx="1496880" cy="1496880"/>
           </a:xfrm>
           <a:prstGeom prst="roundRect">
             <a:avLst>
@@ -14233,8 +14233,8 @@
         </p:nvSpPr>
         <p:spPr>
           <a:xfrm rot="2745600">
-            <a:off x="7634160" y="-322200"/>
-            <a:ext cx="806040" cy="806400"/>
+            <a:off x="7634160" y="-321840"/>
+            <a:ext cx="805680" cy="806040"/>
           </a:xfrm>
           <a:prstGeom prst="roundRect">
             <a:avLst>
@@ -14273,7 +14273,7 @@
         <p:spPr>
           <a:xfrm>
             <a:off x="586440" y="899640"/>
-            <a:ext cx="7930800" cy="1536120"/>
+            <a:ext cx="7930440" cy="1535760"/>
           </a:xfrm>
           <a:prstGeom prst="rect">
             <a:avLst/>
@@ -14325,7 +14325,7 @@
         <p:spPr>
           <a:xfrm>
             <a:off x="608040" y="2545560"/>
-            <a:ext cx="3711240" cy="2254680"/>
+            <a:ext cx="3710880" cy="2254320"/>
           </a:xfrm>
           <a:prstGeom prst="rect">
             <a:avLst/>
@@ -14377,7 +14377,7 @@
         <p:spPr>
           <a:xfrm>
             <a:off x="4806360" y="2545560"/>
-            <a:ext cx="3711240" cy="2254680"/>
+            <a:ext cx="3710880" cy="2254320"/>
           </a:xfrm>
           <a:prstGeom prst="rect">
             <a:avLst/>
@@ -14429,7 +14429,7 @@
         <p:spPr>
           <a:xfrm>
             <a:off x="583200" y="450720"/>
-            <a:ext cx="7197120" cy="511200"/>
+            <a:ext cx="7196760" cy="510840"/>
           </a:xfrm>
           <a:prstGeom prst="rect">
             <a:avLst/>
@@ -14511,7 +14511,7 @@
         <p:spPr>
           <a:xfrm>
             <a:off x="586440" y="1246680"/>
-            <a:ext cx="4003200" cy="3598920"/>
+            <a:ext cx="4002840" cy="3598560"/>
           </a:xfrm>
           <a:prstGeom prst="rect">
             <a:avLst/>
@@ -14563,7 +14563,7 @@
         <p:spPr>
           <a:xfrm>
             <a:off x="559800" y="446040"/>
-            <a:ext cx="4282560" cy="682560"/>
+            <a:ext cx="4282200" cy="682200"/>
           </a:xfrm>
           <a:prstGeom prst="rect">
             <a:avLst/>
@@ -14615,7 +14615,7 @@
         <p:spPr>
           <a:xfrm>
             <a:off x="5097600" y="360"/>
-            <a:ext cx="4378680" cy="5142960"/>
+            <a:ext cx="4378320" cy="5142600"/>
           </a:xfrm>
           <a:prstGeom prst="roundRect">
             <a:avLst>
@@ -14680,8 +14680,8 @@
         </p:nvSpPr>
         <p:spPr>
           <a:xfrm rot="2744400">
-            <a:off x="-279720" y="-25560"/>
-            <a:ext cx="703440" cy="703080"/>
+            <a:off x="-279360" y="-25560"/>
+            <a:ext cx="703080" cy="702720"/>
           </a:xfrm>
           <a:prstGeom prst="roundRect">
             <a:avLst>
@@ -14718,8 +14718,8 @@
         </p:nvSpPr>
         <p:spPr>
           <a:xfrm rot="2625600">
-            <a:off x="4861080" y="4146120"/>
-            <a:ext cx="467280" cy="467280"/>
+            <a:off x="4861080" y="4145760"/>
+            <a:ext cx="466920" cy="466920"/>
           </a:xfrm>
           <a:prstGeom prst="roundRect">
             <a:avLst>
@@ -14793,8 +14793,8 @@
         </p:nvSpPr>
         <p:spPr>
           <a:xfrm rot="2744400">
-            <a:off x="-348840" y="4539240"/>
-            <a:ext cx="703440" cy="703080"/>
+            <a:off x="-348480" y="4538880"/>
+            <a:ext cx="703080" cy="702720"/>
           </a:xfrm>
           <a:prstGeom prst="roundRect">
             <a:avLst>
@@ -14831,8 +14831,8 @@
         </p:nvSpPr>
         <p:spPr>
           <a:xfrm rot="19228200">
-            <a:off x="5845680" y="-2265480"/>
-            <a:ext cx="4854240" cy="7725240"/>
+            <a:off x="5845320" y="-2265120"/>
+            <a:ext cx="4853880" cy="7724880"/>
           </a:xfrm>
           <a:prstGeom prst="roundRect">
             <a:avLst>
@@ -14870,9 +14870,9 @@
         <p:grpSpPr>
           <a:xfrm>
             <a:off x="4571640" y="828000"/>
-            <a:ext cx="4467240" cy="3563280"/>
+            <a:ext cx="4466880" cy="3562920"/>
             <a:chOff x="4571640" y="828000"/>
-            <a:chExt cx="4467240" cy="3563280"/>
+            <a:chExt cx="4466880" cy="3562920"/>
           </a:xfrm>
         </p:grpSpPr>
         <p:pic>
@@ -14888,7 +14888,7 @@
           <p:spPr>
             <a:xfrm>
               <a:off x="4571640" y="828000"/>
-              <a:ext cx="4467240" cy="3563280"/>
+              <a:ext cx="4466880" cy="3562920"/>
             </a:xfrm>
             <a:prstGeom prst="rect">
               <a:avLst/>
@@ -14906,8 +14906,8 @@
           </p:nvSpPr>
           <p:spPr>
             <a:xfrm rot="16200000">
-              <a:off x="5962680" y="1159920"/>
-              <a:ext cx="1736280" cy="2770200"/>
+              <a:off x="5962680" y="1160280"/>
+              <a:ext cx="1735920" cy="2769840"/>
             </a:xfrm>
             <a:prstGeom prst="roundRect">
               <a:avLst>
@@ -14974,7 +14974,7 @@
         <p:spPr>
           <a:xfrm>
             <a:off x="586440" y="1246680"/>
-            <a:ext cx="4003200" cy="3598920"/>
+            <a:ext cx="4002840" cy="3598560"/>
           </a:xfrm>
           <a:prstGeom prst="rect">
             <a:avLst/>
@@ -15026,7 +15026,7 @@
         <p:spPr>
           <a:xfrm>
             <a:off x="5446080" y="1672200"/>
-            <a:ext cx="2779200" cy="1736280"/>
+            <a:ext cx="2778840" cy="1735920"/>
           </a:xfrm>
           <a:prstGeom prst="rect">
             <a:avLst/>
@@ -15078,7 +15078,7 @@
         <p:spPr>
           <a:xfrm>
             <a:off x="586440" y="453960"/>
-            <a:ext cx="3695760" cy="854280"/>
+            <a:ext cx="3695400" cy="853920"/>
           </a:xfrm>
           <a:prstGeom prst="rect">
             <a:avLst/>
@@ -15167,7 +15167,7 @@
         <p:spPr>
           <a:xfrm>
             <a:off x="4222080" y="1246680"/>
-            <a:ext cx="4114080" cy="3598920"/>
+            <a:ext cx="4113720" cy="3598560"/>
           </a:xfrm>
           <a:prstGeom prst="rect">
             <a:avLst/>
@@ -15218,8 +15218,8 @@
         </p:nvSpPr>
         <p:spPr>
           <a:xfrm rot="16200000">
-            <a:off x="-2181600" y="1734480"/>
-            <a:ext cx="5142960" cy="1683000"/>
+            <a:off x="-2181600" y="1734840"/>
+            <a:ext cx="5142600" cy="1682640"/>
           </a:xfrm>
           <a:prstGeom prst="roundRect">
             <a:avLst>
@@ -15256,8 +15256,8 @@
         </p:nvSpPr>
         <p:spPr>
           <a:xfrm rot="2745000">
-            <a:off x="8575200" y="102960"/>
-            <a:ext cx="1131480" cy="1131120"/>
+            <a:off x="8575200" y="102600"/>
+            <a:ext cx="1131120" cy="1130760"/>
           </a:xfrm>
           <a:prstGeom prst="roundRect">
             <a:avLst>
@@ -15294,8 +15294,8 @@
         </p:nvSpPr>
         <p:spPr>
           <a:xfrm rot="16200000">
-            <a:off x="614880" y="919800"/>
-            <a:ext cx="3231000" cy="3312720"/>
+            <a:off x="614880" y="920160"/>
+            <a:ext cx="3230640" cy="3312360"/>
           </a:xfrm>
           <a:prstGeom prst="roundRect">
             <a:avLst>
@@ -15361,7 +15361,7 @@
         <p:spPr>
           <a:xfrm>
             <a:off x="4214160" y="456120"/>
-            <a:ext cx="4110840" cy="854280"/>
+            <a:ext cx="4110480" cy="853920"/>
           </a:xfrm>
           <a:prstGeom prst="rect">
             <a:avLst/>
@@ -15449,8 +15449,8 @@
         </p:nvSpPr>
         <p:spPr>
           <a:xfrm rot="2744400">
-            <a:off x="-279720" y="-25560"/>
-            <a:ext cx="703440" cy="703080"/>
+            <a:off x="-279360" y="-25560"/>
+            <a:ext cx="703080" cy="702720"/>
           </a:xfrm>
           <a:prstGeom prst="roundRect">
             <a:avLst>
@@ -15487,8 +15487,8 @@
         </p:nvSpPr>
         <p:spPr>
           <a:xfrm rot="2332200">
-            <a:off x="6009120" y="-319680"/>
-            <a:ext cx="4854600" cy="7725600"/>
+            <a:off x="6009120" y="-319320"/>
+            <a:ext cx="4854240" cy="7725240"/>
           </a:xfrm>
           <a:prstGeom prst="roundRect">
             <a:avLst>
@@ -15526,9 +15526,9 @@
         <p:grpSpPr>
           <a:xfrm>
             <a:off x="4571640" y="828000"/>
-            <a:ext cx="4467240" cy="3563280"/>
+            <a:ext cx="4466880" cy="3562920"/>
             <a:chOff x="4571640" y="828000"/>
-            <a:chExt cx="4467240" cy="3563280"/>
+            <a:chExt cx="4466880" cy="3562920"/>
           </a:xfrm>
         </p:grpSpPr>
         <p:pic>
@@ -15544,7 +15544,7 @@
           <p:spPr>
             <a:xfrm>
               <a:off x="4571640" y="828000"/>
-              <a:ext cx="4467240" cy="3563280"/>
+              <a:ext cx="4466880" cy="3562920"/>
             </a:xfrm>
             <a:prstGeom prst="rect">
               <a:avLst/>
@@ -15562,8 +15562,8 @@
           </p:nvSpPr>
           <p:spPr>
             <a:xfrm rot="16200000">
-              <a:off x="5962680" y="1159920"/>
-              <a:ext cx="1736280" cy="2770200"/>
+              <a:off x="5962680" y="1160280"/>
+              <a:ext cx="1735920" cy="2769840"/>
             </a:xfrm>
             <a:prstGeom prst="roundRect">
               <a:avLst>
@@ -15630,7 +15630,7 @@
         <p:spPr>
           <a:xfrm>
             <a:off x="5446080" y="1672200"/>
-            <a:ext cx="2769840" cy="1736280"/>
+            <a:ext cx="2769480" cy="1735920"/>
           </a:xfrm>
           <a:prstGeom prst="rect">
             <a:avLst/>
@@ -15682,7 +15682,7 @@
         <p:spPr>
           <a:xfrm>
             <a:off x="586440" y="1246680"/>
-            <a:ext cx="4003200" cy="3598920"/>
+            <a:ext cx="4002840" cy="3598560"/>
           </a:xfrm>
           <a:prstGeom prst="rect">
             <a:avLst/>
@@ -15734,7 +15734,7 @@
         <p:spPr>
           <a:xfrm>
             <a:off x="586440" y="453960"/>
-            <a:ext cx="4763160" cy="854280"/>
+            <a:ext cx="4762800" cy="853920"/>
           </a:xfrm>
           <a:prstGeom prst="rect">
             <a:avLst/>
@@ -15822,8 +15822,8 @@
         </p:nvSpPr>
         <p:spPr>
           <a:xfrm rot="2745600">
-            <a:off x="8349840" y="-667800"/>
-            <a:ext cx="1497240" cy="1497240"/>
+            <a:off x="8350200" y="-667800"/>
+            <a:ext cx="1496880" cy="1496880"/>
           </a:xfrm>
           <a:prstGeom prst="roundRect">
             <a:avLst>
@@ -15860,8 +15860,8 @@
         </p:nvSpPr>
         <p:spPr>
           <a:xfrm rot="2745600">
-            <a:off x="7634160" y="-322200"/>
-            <a:ext cx="806040" cy="806400"/>
+            <a:off x="7634160" y="-321840"/>
+            <a:ext cx="805680" cy="806040"/>
           </a:xfrm>
           <a:prstGeom prst="roundRect">
             <a:avLst>
@@ -15900,7 +15900,7 @@
         <p:spPr>
           <a:xfrm>
             <a:off x="586440" y="899640"/>
-            <a:ext cx="7930800" cy="1536120"/>
+            <a:ext cx="7930440" cy="1535760"/>
           </a:xfrm>
           <a:prstGeom prst="rect">
             <a:avLst/>
@@ -15952,7 +15952,7 @@
         <p:spPr>
           <a:xfrm>
             <a:off x="608040" y="2545560"/>
-            <a:ext cx="3711240" cy="2254680"/>
+            <a:ext cx="3710880" cy="2254320"/>
           </a:xfrm>
           <a:prstGeom prst="rect">
             <a:avLst/>
@@ -16004,7 +16004,7 @@
         <p:spPr>
           <a:xfrm>
             <a:off x="4806360" y="2545560"/>
-            <a:ext cx="3711240" cy="2254680"/>
+            <a:ext cx="3710880" cy="2254320"/>
           </a:xfrm>
           <a:prstGeom prst="rect">
             <a:avLst/>
@@ -16056,7 +16056,7 @@
         <p:spPr>
           <a:xfrm>
             <a:off x="583200" y="450720"/>
-            <a:ext cx="7197120" cy="511200"/>
+            <a:ext cx="7196760" cy="510840"/>
           </a:xfrm>
           <a:prstGeom prst="rect">
             <a:avLst/>
@@ -16138,7 +16138,7 @@
         <p:spPr>
           <a:xfrm>
             <a:off x="586440" y="1246680"/>
-            <a:ext cx="4003200" cy="3598920"/>
+            <a:ext cx="4002840" cy="3598560"/>
           </a:xfrm>
           <a:prstGeom prst="rect">
             <a:avLst/>
@@ -16190,7 +16190,7 @@
         <p:spPr>
           <a:xfrm>
             <a:off x="559800" y="446040"/>
-            <a:ext cx="4282560" cy="682560"/>
+            <a:ext cx="4282200" cy="682200"/>
           </a:xfrm>
           <a:prstGeom prst="rect">
             <a:avLst/>
@@ -16242,7 +16242,7 @@
         <p:spPr>
           <a:xfrm>
             <a:off x="5097600" y="360"/>
-            <a:ext cx="4378680" cy="5142960"/>
+            <a:ext cx="4378320" cy="5142600"/>
           </a:xfrm>
           <a:prstGeom prst="roundRect">
             <a:avLst>
@@ -16307,8 +16307,8 @@
         </p:nvSpPr>
         <p:spPr>
           <a:xfrm rot="2744400">
-            <a:off x="-279720" y="-25560"/>
-            <a:ext cx="703440" cy="703080"/>
+            <a:off x="-279360" y="-25560"/>
+            <a:ext cx="703080" cy="702720"/>
           </a:xfrm>
           <a:prstGeom prst="roundRect">
             <a:avLst>
@@ -16345,8 +16345,8 @@
         </p:nvSpPr>
         <p:spPr>
           <a:xfrm rot="2625600">
-            <a:off x="4861080" y="4146120"/>
-            <a:ext cx="467280" cy="467280"/>
+            <a:off x="4861080" y="4145760"/>
+            <a:ext cx="466920" cy="466920"/>
           </a:xfrm>
           <a:prstGeom prst="roundRect">
             <a:avLst>
@@ -16420,8 +16420,8 @@
         </p:nvSpPr>
         <p:spPr>
           <a:xfrm rot="2744400">
-            <a:off x="-348840" y="4539240"/>
-            <a:ext cx="703440" cy="703080"/>
+            <a:off x="-348480" y="4538880"/>
+            <a:ext cx="703080" cy="702720"/>
           </a:xfrm>
           <a:prstGeom prst="roundRect">
             <a:avLst>
@@ -16458,8 +16458,8 @@
         </p:nvSpPr>
         <p:spPr>
           <a:xfrm rot="19228200">
-            <a:off x="5845680" y="-2265480"/>
-            <a:ext cx="4854240" cy="7725240"/>
+            <a:off x="5845320" y="-2265120"/>
+            <a:ext cx="4853880" cy="7724880"/>
           </a:xfrm>
           <a:prstGeom prst="roundRect">
             <a:avLst>
@@ -16497,9 +16497,9 @@
         <p:grpSpPr>
           <a:xfrm>
             <a:off x="4571640" y="828000"/>
-            <a:ext cx="4467240" cy="3563280"/>
+            <a:ext cx="4466880" cy="3562920"/>
             <a:chOff x="4571640" y="828000"/>
-            <a:chExt cx="4467240" cy="3563280"/>
+            <a:chExt cx="4466880" cy="3562920"/>
           </a:xfrm>
         </p:grpSpPr>
         <p:pic>
@@ -16515,7 +16515,7 @@
           <p:spPr>
             <a:xfrm>
               <a:off x="4571640" y="828000"/>
-              <a:ext cx="4467240" cy="3563280"/>
+              <a:ext cx="4466880" cy="3562920"/>
             </a:xfrm>
             <a:prstGeom prst="rect">
               <a:avLst/>
@@ -16533,8 +16533,8 @@
           </p:nvSpPr>
           <p:spPr>
             <a:xfrm rot="16200000">
-              <a:off x="5962680" y="1159920"/>
-              <a:ext cx="1736280" cy="2770200"/>
+              <a:off x="5962680" y="1160280"/>
+              <a:ext cx="1735920" cy="2769840"/>
             </a:xfrm>
             <a:prstGeom prst="roundRect">
               <a:avLst>
@@ -16601,7 +16601,7 @@
         <p:spPr>
           <a:xfrm>
             <a:off x="586440" y="1246680"/>
-            <a:ext cx="4003200" cy="3598920"/>
+            <a:ext cx="4002840" cy="3598560"/>
           </a:xfrm>
           <a:prstGeom prst="rect">
             <a:avLst/>
@@ -16653,7 +16653,7 @@
         <p:spPr>
           <a:xfrm>
             <a:off x="5446080" y="1672200"/>
-            <a:ext cx="2779200" cy="1736280"/>
+            <a:ext cx="2778840" cy="1735920"/>
           </a:xfrm>
           <a:prstGeom prst="rect">
             <a:avLst/>
@@ -16705,7 +16705,7 @@
         <p:spPr>
           <a:xfrm>
             <a:off x="586440" y="453960"/>
-            <a:ext cx="3695760" cy="854280"/>
+            <a:ext cx="3695400" cy="853920"/>
           </a:xfrm>
           <a:prstGeom prst="rect">
             <a:avLst/>
@@ -16794,7 +16794,7 @@
         <p:spPr>
           <a:xfrm>
             <a:off x="4222080" y="1246680"/>
-            <a:ext cx="4114080" cy="3598920"/>
+            <a:ext cx="4113720" cy="3598560"/>
           </a:xfrm>
           <a:prstGeom prst="rect">
             <a:avLst/>
@@ -16845,8 +16845,8 @@
         </p:nvSpPr>
         <p:spPr>
           <a:xfrm rot="16200000">
-            <a:off x="-2181600" y="1734480"/>
-            <a:ext cx="5142960" cy="1683000"/>
+            <a:off x="-2181600" y="1734840"/>
+            <a:ext cx="5142600" cy="1682640"/>
           </a:xfrm>
           <a:prstGeom prst="roundRect">
             <a:avLst>
@@ -16883,8 +16883,8 @@
         </p:nvSpPr>
         <p:spPr>
           <a:xfrm rot="2745000">
-            <a:off x="8575200" y="102960"/>
-            <a:ext cx="1131480" cy="1131120"/>
+            <a:off x="8575200" y="102600"/>
+            <a:ext cx="1131120" cy="1130760"/>
           </a:xfrm>
           <a:prstGeom prst="roundRect">
             <a:avLst>
@@ -16921,8 +16921,8 @@
         </p:nvSpPr>
         <p:spPr>
           <a:xfrm rot="16200000">
-            <a:off x="614880" y="919800"/>
-            <a:ext cx="3231000" cy="3312720"/>
+            <a:off x="614880" y="920160"/>
+            <a:ext cx="3230640" cy="3312360"/>
           </a:xfrm>
           <a:prstGeom prst="roundRect">
             <a:avLst>
@@ -16988,7 +16988,7 @@
         <p:spPr>
           <a:xfrm>
             <a:off x="4214160" y="456120"/>
-            <a:ext cx="4110840" cy="854280"/>
+            <a:ext cx="4110480" cy="853920"/>
           </a:xfrm>
           <a:prstGeom prst="rect">
             <a:avLst/>
@@ -17076,8 +17076,8 @@
         </p:nvSpPr>
         <p:spPr>
           <a:xfrm rot="2744400">
-            <a:off x="-348840" y="4539240"/>
-            <a:ext cx="703440" cy="703080"/>
+            <a:off x="-348480" y="4538880"/>
+            <a:ext cx="703080" cy="702720"/>
           </a:xfrm>
           <a:prstGeom prst="roundRect">
             <a:avLst>
@@ -17114,8 +17114,8 @@
         </p:nvSpPr>
         <p:spPr>
           <a:xfrm rot="19228200">
-            <a:off x="5845680" y="-2265480"/>
-            <a:ext cx="4854240" cy="7725240"/>
+            <a:off x="5845320" y="-2265120"/>
+            <a:ext cx="4853880" cy="7724880"/>
           </a:xfrm>
           <a:prstGeom prst="roundRect">
             <a:avLst>
@@ -17153,9 +17153,9 @@
         <p:grpSpPr>
           <a:xfrm>
             <a:off x="4571640" y="828000"/>
-            <a:ext cx="4467240" cy="3563280"/>
+            <a:ext cx="4466880" cy="3562920"/>
             <a:chOff x="4571640" y="828000"/>
-            <a:chExt cx="4467240" cy="3563280"/>
+            <a:chExt cx="4466880" cy="3562920"/>
           </a:xfrm>
         </p:grpSpPr>
         <p:pic>
@@ -17171,7 +17171,7 @@
           <p:spPr>
             <a:xfrm>
               <a:off x="4571640" y="828000"/>
-              <a:ext cx="4467240" cy="3563280"/>
+              <a:ext cx="4466880" cy="3562920"/>
             </a:xfrm>
             <a:prstGeom prst="rect">
               <a:avLst/>
@@ -17189,8 +17189,8 @@
           </p:nvSpPr>
           <p:spPr>
             <a:xfrm rot="16200000">
-              <a:off x="5962680" y="1159920"/>
-              <a:ext cx="1736280" cy="2770200"/>
+              <a:off x="5962680" y="1160280"/>
+              <a:ext cx="1735920" cy="2769840"/>
             </a:xfrm>
             <a:prstGeom prst="roundRect">
               <a:avLst>
@@ -17257,7 +17257,7 @@
         <p:spPr>
           <a:xfrm>
             <a:off x="586440" y="1246680"/>
-            <a:ext cx="4003200" cy="3598920"/>
+            <a:ext cx="4002840" cy="3598560"/>
           </a:xfrm>
           <a:prstGeom prst="rect">
             <a:avLst/>
@@ -17309,7 +17309,7 @@
         <p:spPr>
           <a:xfrm>
             <a:off x="5446080" y="1672200"/>
-            <a:ext cx="2779200" cy="1736280"/>
+            <a:ext cx="2778840" cy="1735920"/>
           </a:xfrm>
           <a:prstGeom prst="rect">
             <a:avLst/>
@@ -17361,7 +17361,7 @@
         <p:spPr>
           <a:xfrm>
             <a:off x="586440" y="453960"/>
-            <a:ext cx="3695760" cy="854280"/>
+            <a:ext cx="3695400" cy="853920"/>
           </a:xfrm>
           <a:prstGeom prst="rect">
             <a:avLst/>
@@ -17449,8 +17449,8 @@
         </p:nvSpPr>
         <p:spPr>
           <a:xfrm rot="2744400">
-            <a:off x="-279720" y="-25560"/>
-            <a:ext cx="703440" cy="703080"/>
+            <a:off x="-279360" y="-25560"/>
+            <a:ext cx="703080" cy="702720"/>
           </a:xfrm>
           <a:prstGeom prst="roundRect">
             <a:avLst>
@@ -17487,8 +17487,8 @@
         </p:nvSpPr>
         <p:spPr>
           <a:xfrm rot="2332200">
-            <a:off x="6009120" y="-319680"/>
-            <a:ext cx="4854600" cy="7725600"/>
+            <a:off x="6009120" y="-319320"/>
+            <a:ext cx="4854240" cy="7725240"/>
           </a:xfrm>
           <a:prstGeom prst="roundRect">
             <a:avLst>
@@ -17526,9 +17526,9 @@
         <p:grpSpPr>
           <a:xfrm>
             <a:off x="4571640" y="828000"/>
-            <a:ext cx="4467240" cy="3563280"/>
+            <a:ext cx="4466880" cy="3562920"/>
             <a:chOff x="4571640" y="828000"/>
-            <a:chExt cx="4467240" cy="3563280"/>
+            <a:chExt cx="4466880" cy="3562920"/>
           </a:xfrm>
         </p:grpSpPr>
         <p:pic>
@@ -17544,7 +17544,7 @@
           <p:spPr>
             <a:xfrm>
               <a:off x="4571640" y="828000"/>
-              <a:ext cx="4467240" cy="3563280"/>
+              <a:ext cx="4466880" cy="3562920"/>
             </a:xfrm>
             <a:prstGeom prst="rect">
               <a:avLst/>
@@ -17562,8 +17562,8 @@
           </p:nvSpPr>
           <p:spPr>
             <a:xfrm rot="16200000">
-              <a:off x="5962680" y="1159920"/>
-              <a:ext cx="1736280" cy="2770200"/>
+              <a:off x="5962680" y="1160280"/>
+              <a:ext cx="1735920" cy="2769840"/>
             </a:xfrm>
             <a:prstGeom prst="roundRect">
               <a:avLst>
@@ -17630,7 +17630,7 @@
         <p:spPr>
           <a:xfrm>
             <a:off x="5446080" y="1672200"/>
-            <a:ext cx="2769840" cy="1736280"/>
+            <a:ext cx="2769480" cy="1735920"/>
           </a:xfrm>
           <a:prstGeom prst="rect">
             <a:avLst/>
@@ -17682,7 +17682,7 @@
         <p:spPr>
           <a:xfrm>
             <a:off x="586440" y="1246680"/>
-            <a:ext cx="4003200" cy="3598920"/>
+            <a:ext cx="4002840" cy="3598560"/>
           </a:xfrm>
           <a:prstGeom prst="rect">
             <a:avLst/>
@@ -17734,7 +17734,7 @@
         <p:spPr>
           <a:xfrm>
             <a:off x="586440" y="453960"/>
-            <a:ext cx="4763160" cy="854280"/>
+            <a:ext cx="4762800" cy="853920"/>
           </a:xfrm>
           <a:prstGeom prst="rect">
             <a:avLst/>
@@ -17822,8 +17822,8 @@
         </p:nvSpPr>
         <p:spPr>
           <a:xfrm rot="2745600">
-            <a:off x="8349840" y="-667800"/>
-            <a:ext cx="1497240" cy="1497240"/>
+            <a:off x="8350200" y="-667800"/>
+            <a:ext cx="1496880" cy="1496880"/>
           </a:xfrm>
           <a:prstGeom prst="roundRect">
             <a:avLst>
@@ -17860,8 +17860,8 @@
         </p:nvSpPr>
         <p:spPr>
           <a:xfrm rot="2745600">
-            <a:off x="7634160" y="-322200"/>
-            <a:ext cx="806040" cy="806400"/>
+            <a:off x="7634160" y="-321840"/>
+            <a:ext cx="805680" cy="806040"/>
           </a:xfrm>
           <a:prstGeom prst="roundRect">
             <a:avLst>
@@ -17900,7 +17900,7 @@
         <p:spPr>
           <a:xfrm>
             <a:off x="586440" y="899640"/>
-            <a:ext cx="7930800" cy="1536120"/>
+            <a:ext cx="7930440" cy="1535760"/>
           </a:xfrm>
           <a:prstGeom prst="rect">
             <a:avLst/>
@@ -17952,7 +17952,7 @@
         <p:spPr>
           <a:xfrm>
             <a:off x="608040" y="2545560"/>
-            <a:ext cx="3711240" cy="2254680"/>
+            <a:ext cx="3710880" cy="2254320"/>
           </a:xfrm>
           <a:prstGeom prst="rect">
             <a:avLst/>
@@ -18004,7 +18004,7 @@
         <p:spPr>
           <a:xfrm>
             <a:off x="4806360" y="2545560"/>
-            <a:ext cx="3711240" cy="2254680"/>
+            <a:ext cx="3710880" cy="2254320"/>
           </a:xfrm>
           <a:prstGeom prst="rect">
             <a:avLst/>
@@ -18056,7 +18056,7 @@
         <p:spPr>
           <a:xfrm>
             <a:off x="583200" y="450720"/>
-            <a:ext cx="7197120" cy="511200"/>
+            <a:ext cx="7196760" cy="510840"/>
           </a:xfrm>
           <a:prstGeom prst="rect">
             <a:avLst/>
@@ -18138,7 +18138,7 @@
         <p:spPr>
           <a:xfrm>
             <a:off x="586440" y="1246680"/>
-            <a:ext cx="4003200" cy="3598920"/>
+            <a:ext cx="4002840" cy="3598560"/>
           </a:xfrm>
           <a:prstGeom prst="rect">
             <a:avLst/>
@@ -18190,7 +18190,7 @@
         <p:spPr>
           <a:xfrm>
             <a:off x="559800" y="446040"/>
-            <a:ext cx="4282560" cy="682560"/>
+            <a:ext cx="4282200" cy="682200"/>
           </a:xfrm>
           <a:prstGeom prst="rect">
             <a:avLst/>
@@ -18242,7 +18242,7 @@
         <p:spPr>
           <a:xfrm>
             <a:off x="5097600" y="360"/>
-            <a:ext cx="4378680" cy="5142960"/>
+            <a:ext cx="4378320" cy="5142600"/>
           </a:xfrm>
           <a:prstGeom prst="roundRect">
             <a:avLst>
@@ -18307,8 +18307,8 @@
         </p:nvSpPr>
         <p:spPr>
           <a:xfrm rot="2744400">
-            <a:off x="-279720" y="-25560"/>
-            <a:ext cx="703440" cy="703080"/>
+            <a:off x="-279360" y="-25560"/>
+            <a:ext cx="703080" cy="702720"/>
           </a:xfrm>
           <a:prstGeom prst="roundRect">
             <a:avLst>
@@ -18345,8 +18345,8 @@
         </p:nvSpPr>
         <p:spPr>
           <a:xfrm rot="2625600">
-            <a:off x="4861080" y="4146120"/>
-            <a:ext cx="467280" cy="467280"/>
+            <a:off x="4861080" y="4145760"/>
+            <a:ext cx="466920" cy="466920"/>
           </a:xfrm>
           <a:prstGeom prst="roundRect">
             <a:avLst>
@@ -18420,8 +18420,8 @@
         </p:nvSpPr>
         <p:spPr>
           <a:xfrm rot="2744400">
-            <a:off x="-348840" y="4539240"/>
-            <a:ext cx="703440" cy="703080"/>
+            <a:off x="-348480" y="4538880"/>
+            <a:ext cx="703080" cy="702720"/>
           </a:xfrm>
           <a:prstGeom prst="roundRect">
             <a:avLst>
@@ -18458,8 +18458,8 @@
         </p:nvSpPr>
         <p:spPr>
           <a:xfrm rot="19228200">
-            <a:off x="5845680" y="-2265480"/>
-            <a:ext cx="4854240" cy="7725240"/>
+            <a:off x="5845320" y="-2265120"/>
+            <a:ext cx="4853880" cy="7724880"/>
           </a:xfrm>
           <a:prstGeom prst="roundRect">
             <a:avLst>
@@ -18497,9 +18497,9 @@
         <p:grpSpPr>
           <a:xfrm>
             <a:off x="4571640" y="828000"/>
-            <a:ext cx="4467240" cy="3563280"/>
+            <a:ext cx="4466880" cy="3562920"/>
             <a:chOff x="4571640" y="828000"/>
-            <a:chExt cx="4467240" cy="3563280"/>
+            <a:chExt cx="4466880" cy="3562920"/>
           </a:xfrm>
         </p:grpSpPr>
         <p:pic>
@@ -18515,7 +18515,7 @@
           <p:spPr>
             <a:xfrm>
               <a:off x="4571640" y="828000"/>
-              <a:ext cx="4467240" cy="3563280"/>
+              <a:ext cx="4466880" cy="3562920"/>
             </a:xfrm>
             <a:prstGeom prst="rect">
               <a:avLst/>
@@ -18533,8 +18533,8 @@
           </p:nvSpPr>
           <p:spPr>
             <a:xfrm rot="16200000">
-              <a:off x="5962680" y="1159920"/>
-              <a:ext cx="1736280" cy="2770200"/>
+              <a:off x="5962680" y="1160280"/>
+              <a:ext cx="1735920" cy="2769840"/>
             </a:xfrm>
             <a:prstGeom prst="roundRect">
               <a:avLst>
@@ -18601,7 +18601,7 @@
         <p:spPr>
           <a:xfrm>
             <a:off x="586440" y="1246680"/>
-            <a:ext cx="4003200" cy="3598920"/>
+            <a:ext cx="4002840" cy="3598560"/>
           </a:xfrm>
           <a:prstGeom prst="rect">
             <a:avLst/>
@@ -18653,7 +18653,7 @@
         <p:spPr>
           <a:xfrm>
             <a:off x="5446080" y="1672200"/>
-            <a:ext cx="2779200" cy="1736280"/>
+            <a:ext cx="2778840" cy="1735920"/>
           </a:xfrm>
           <a:prstGeom prst="rect">
             <a:avLst/>
@@ -18705,7 +18705,7 @@
         <p:spPr>
           <a:xfrm>
             <a:off x="586440" y="453960"/>
-            <a:ext cx="3695760" cy="854280"/>
+            <a:ext cx="3695400" cy="853920"/>
           </a:xfrm>
           <a:prstGeom prst="rect">
             <a:avLst/>
@@ -18794,7 +18794,7 @@
         <p:spPr>
           <a:xfrm>
             <a:off x="4222080" y="1246680"/>
-            <a:ext cx="4114080" cy="3598920"/>
+            <a:ext cx="4113720" cy="3598560"/>
           </a:xfrm>
           <a:prstGeom prst="rect">
             <a:avLst/>
@@ -18845,8 +18845,8 @@
         </p:nvSpPr>
         <p:spPr>
           <a:xfrm rot="16200000">
-            <a:off x="-2181600" y="1734480"/>
-            <a:ext cx="5142960" cy="1683000"/>
+            <a:off x="-2181600" y="1734840"/>
+            <a:ext cx="5142600" cy="1682640"/>
           </a:xfrm>
           <a:prstGeom prst="roundRect">
             <a:avLst>
@@ -18883,8 +18883,8 @@
         </p:nvSpPr>
         <p:spPr>
           <a:xfrm rot="2745000">
-            <a:off x="8575200" y="102960"/>
-            <a:ext cx="1131480" cy="1131120"/>
+            <a:off x="8575200" y="102600"/>
+            <a:ext cx="1131120" cy="1130760"/>
           </a:xfrm>
           <a:prstGeom prst="roundRect">
             <a:avLst>
@@ -18921,8 +18921,8 @@
         </p:nvSpPr>
         <p:spPr>
           <a:xfrm rot="16200000">
-            <a:off x="614880" y="919800"/>
-            <a:ext cx="3231000" cy="3312720"/>
+            <a:off x="614880" y="920160"/>
+            <a:ext cx="3230640" cy="3312360"/>
           </a:xfrm>
           <a:prstGeom prst="roundRect">
             <a:avLst>
@@ -18988,7 +18988,7 @@
         <p:spPr>
           <a:xfrm>
             <a:off x="4214160" y="456120"/>
-            <a:ext cx="4110840" cy="854280"/>
+            <a:ext cx="4110480" cy="853920"/>
           </a:xfrm>
           <a:prstGeom prst="rect">
             <a:avLst/>
@@ -19076,8 +19076,8 @@
         </p:nvSpPr>
         <p:spPr>
           <a:xfrm rot="2744400">
-            <a:off x="-279720" y="-25560"/>
-            <a:ext cx="703440" cy="703080"/>
+            <a:off x="-279360" y="-25560"/>
+            <a:ext cx="703080" cy="702720"/>
           </a:xfrm>
           <a:prstGeom prst="roundRect">
             <a:avLst>
@@ -19114,8 +19114,8 @@
         </p:nvSpPr>
         <p:spPr>
           <a:xfrm rot="2332200">
-            <a:off x="6009120" y="-319680"/>
-            <a:ext cx="4854600" cy="7725600"/>
+            <a:off x="6009120" y="-319320"/>
+            <a:ext cx="4854240" cy="7725240"/>
           </a:xfrm>
           <a:prstGeom prst="roundRect">
             <a:avLst>
@@ -19153,9 +19153,9 @@
         <p:grpSpPr>
           <a:xfrm>
             <a:off x="4571640" y="828000"/>
-            <a:ext cx="4467240" cy="3563280"/>
+            <a:ext cx="4466880" cy="3562920"/>
             <a:chOff x="4571640" y="828000"/>
-            <a:chExt cx="4467240" cy="3563280"/>
+            <a:chExt cx="4466880" cy="3562920"/>
           </a:xfrm>
         </p:grpSpPr>
         <p:pic>
@@ -19171,7 +19171,7 @@
           <p:spPr>
             <a:xfrm>
               <a:off x="4571640" y="828000"/>
-              <a:ext cx="4467240" cy="3563280"/>
+              <a:ext cx="4466880" cy="3562920"/>
             </a:xfrm>
             <a:prstGeom prst="rect">
               <a:avLst/>
@@ -19189,8 +19189,8 @@
           </p:nvSpPr>
           <p:spPr>
             <a:xfrm rot="16200000">
-              <a:off x="5962680" y="1159920"/>
-              <a:ext cx="1736280" cy="2770200"/>
+              <a:off x="5962680" y="1160280"/>
+              <a:ext cx="1735920" cy="2769840"/>
             </a:xfrm>
             <a:prstGeom prst="roundRect">
               <a:avLst>
@@ -19257,7 +19257,7 @@
         <p:spPr>
           <a:xfrm>
             <a:off x="5446080" y="1672200"/>
-            <a:ext cx="2769840" cy="1736280"/>
+            <a:ext cx="2769480" cy="1735920"/>
           </a:xfrm>
           <a:prstGeom prst="rect">
             <a:avLst/>
@@ -19309,7 +19309,7 @@
         <p:spPr>
           <a:xfrm>
             <a:off x="586440" y="1246680"/>
-            <a:ext cx="4003200" cy="3598920"/>
+            <a:ext cx="4002840" cy="3598560"/>
           </a:xfrm>
           <a:prstGeom prst="rect">
             <a:avLst/>
@@ -19361,7 +19361,7 @@
         <p:spPr>
           <a:xfrm>
             <a:off x="586440" y="453960"/>
-            <a:ext cx="4763160" cy="854280"/>
+            <a:ext cx="4762800" cy="853920"/>
           </a:xfrm>
           <a:prstGeom prst="rect">
             <a:avLst/>
@@ -19449,8 +19449,8 @@
         </p:nvSpPr>
         <p:spPr>
           <a:xfrm rot="2745600">
-            <a:off x="8349840" y="-667800"/>
-            <a:ext cx="1497240" cy="1497240"/>
+            <a:off x="8350200" y="-667800"/>
+            <a:ext cx="1496880" cy="1496880"/>
           </a:xfrm>
           <a:prstGeom prst="roundRect">
             <a:avLst>
@@ -19487,8 +19487,8 @@
         </p:nvSpPr>
         <p:spPr>
           <a:xfrm rot="2745600">
-            <a:off x="7634160" y="-322200"/>
-            <a:ext cx="806040" cy="806400"/>
+            <a:off x="7634160" y="-321840"/>
+            <a:ext cx="805680" cy="806040"/>
           </a:xfrm>
           <a:prstGeom prst="roundRect">
             <a:avLst>
@@ -19527,7 +19527,7 @@
         <p:spPr>
           <a:xfrm>
             <a:off x="586440" y="899640"/>
-            <a:ext cx="7930800" cy="1536120"/>
+            <a:ext cx="7930440" cy="1535760"/>
           </a:xfrm>
           <a:prstGeom prst="rect">
             <a:avLst/>
@@ -19579,7 +19579,7 @@
         <p:spPr>
           <a:xfrm>
             <a:off x="608040" y="2545560"/>
-            <a:ext cx="3711240" cy="2254680"/>
+            <a:ext cx="3710880" cy="2254320"/>
           </a:xfrm>
           <a:prstGeom prst="rect">
             <a:avLst/>
@@ -19631,7 +19631,7 @@
         <p:spPr>
           <a:xfrm>
             <a:off x="4806360" y="2545560"/>
-            <a:ext cx="3711240" cy="2254680"/>
+            <a:ext cx="3710880" cy="2254320"/>
           </a:xfrm>
           <a:prstGeom prst="rect">
             <a:avLst/>
@@ -19683,7 +19683,7 @@
         <p:spPr>
           <a:xfrm>
             <a:off x="583200" y="450720"/>
-            <a:ext cx="7197120" cy="511200"/>
+            <a:ext cx="7196760" cy="510840"/>
           </a:xfrm>
           <a:prstGeom prst="rect">
             <a:avLst/>
@@ -19765,7 +19765,7 @@
         <p:spPr>
           <a:xfrm>
             <a:off x="586440" y="1246680"/>
-            <a:ext cx="4003200" cy="3598920"/>
+            <a:ext cx="4002840" cy="3598560"/>
           </a:xfrm>
           <a:prstGeom prst="rect">
             <a:avLst/>
@@ -19817,7 +19817,7 @@
         <p:spPr>
           <a:xfrm>
             <a:off x="559800" y="446040"/>
-            <a:ext cx="4282560" cy="682560"/>
+            <a:ext cx="4282200" cy="682200"/>
           </a:xfrm>
           <a:prstGeom prst="rect">
             <a:avLst/>
@@ -19869,7 +19869,7 @@
         <p:spPr>
           <a:xfrm>
             <a:off x="5097600" y="360"/>
-            <a:ext cx="4378680" cy="5142960"/>
+            <a:ext cx="4378320" cy="5142600"/>
           </a:xfrm>
           <a:prstGeom prst="roundRect">
             <a:avLst>
@@ -19934,8 +19934,8 @@
         </p:nvSpPr>
         <p:spPr>
           <a:xfrm rot="2744400">
-            <a:off x="-279720" y="-25560"/>
-            <a:ext cx="703440" cy="703080"/>
+            <a:off x="-279360" y="-25560"/>
+            <a:ext cx="703080" cy="702720"/>
           </a:xfrm>
           <a:prstGeom prst="roundRect">
             <a:avLst>
@@ -19972,8 +19972,8 @@
         </p:nvSpPr>
         <p:spPr>
           <a:xfrm rot="2625600">
-            <a:off x="4861080" y="4146120"/>
-            <a:ext cx="467280" cy="467280"/>
+            <a:off x="4861080" y="4145760"/>
+            <a:ext cx="466920" cy="466920"/>
           </a:xfrm>
           <a:prstGeom prst="roundRect">
             <a:avLst>
@@ -20047,8 +20047,8 @@
         </p:nvSpPr>
         <p:spPr>
           <a:xfrm rot="2744400">
-            <a:off x="-348840" y="4539240"/>
-            <a:ext cx="703440" cy="703080"/>
+            <a:off x="-348480" y="4538880"/>
+            <a:ext cx="703080" cy="702720"/>
           </a:xfrm>
           <a:prstGeom prst="roundRect">
             <a:avLst>
@@ -20085,8 +20085,8 @@
         </p:nvSpPr>
         <p:spPr>
           <a:xfrm rot="19228200">
-            <a:off x="5845680" y="-2265480"/>
-            <a:ext cx="4854240" cy="7725240"/>
+            <a:off x="5845320" y="-2265120"/>
+            <a:ext cx="4853880" cy="7724880"/>
           </a:xfrm>
           <a:prstGeom prst="roundRect">
             <a:avLst>
@@ -20124,9 +20124,9 @@
         <p:grpSpPr>
           <a:xfrm>
             <a:off x="4571640" y="828000"/>
-            <a:ext cx="4467240" cy="3563280"/>
+            <a:ext cx="4466880" cy="3562920"/>
             <a:chOff x="4571640" y="828000"/>
-            <a:chExt cx="4467240" cy="3563280"/>
+            <a:chExt cx="4466880" cy="3562920"/>
           </a:xfrm>
         </p:grpSpPr>
         <p:pic>
@@ -20142,7 +20142,7 @@
           <p:spPr>
             <a:xfrm>
               <a:off x="4571640" y="828000"/>
-              <a:ext cx="4467240" cy="3563280"/>
+              <a:ext cx="4466880" cy="3562920"/>
             </a:xfrm>
             <a:prstGeom prst="rect">
               <a:avLst/>
@@ -20160,8 +20160,8 @@
           </p:nvSpPr>
           <p:spPr>
             <a:xfrm rot="16200000">
-              <a:off x="5962680" y="1159920"/>
-              <a:ext cx="1736280" cy="2770200"/>
+              <a:off x="5962680" y="1160280"/>
+              <a:ext cx="1735920" cy="2769840"/>
             </a:xfrm>
             <a:prstGeom prst="roundRect">
               <a:avLst>
@@ -20228,7 +20228,7 @@
         <p:spPr>
           <a:xfrm>
             <a:off x="586440" y="1246680"/>
-            <a:ext cx="4003200" cy="3598920"/>
+            <a:ext cx="4002840" cy="3598560"/>
           </a:xfrm>
           <a:prstGeom prst="rect">
             <a:avLst/>
@@ -20280,7 +20280,7 @@
         <p:spPr>
           <a:xfrm>
             <a:off x="5446080" y="1672200"/>
-            <a:ext cx="2779200" cy="1736280"/>
+            <a:ext cx="2778840" cy="1735920"/>
           </a:xfrm>
           <a:prstGeom prst="rect">
             <a:avLst/>
@@ -20332,7 +20332,7 @@
         <p:spPr>
           <a:xfrm>
             <a:off x="586440" y="453960"/>
-            <a:ext cx="3695760" cy="854280"/>
+            <a:ext cx="3695400" cy="853920"/>
           </a:xfrm>
           <a:prstGeom prst="rect">
             <a:avLst/>
@@ -20421,7 +20421,7 @@
         <p:spPr>
           <a:xfrm>
             <a:off x="4222080" y="1246680"/>
-            <a:ext cx="4114080" cy="3598920"/>
+            <a:ext cx="4113720" cy="3598560"/>
           </a:xfrm>
           <a:prstGeom prst="rect">
             <a:avLst/>
@@ -20472,8 +20472,8 @@
         </p:nvSpPr>
         <p:spPr>
           <a:xfrm rot="16200000">
-            <a:off x="-2181600" y="1734480"/>
-            <a:ext cx="5142960" cy="1683000"/>
+            <a:off x="-2181600" y="1734840"/>
+            <a:ext cx="5142600" cy="1682640"/>
           </a:xfrm>
           <a:prstGeom prst="roundRect">
             <a:avLst>
@@ -20510,8 +20510,8 @@
         </p:nvSpPr>
         <p:spPr>
           <a:xfrm rot="2745000">
-            <a:off x="8575200" y="102960"/>
-            <a:ext cx="1131480" cy="1131120"/>
+            <a:off x="8575200" y="102600"/>
+            <a:ext cx="1131120" cy="1130760"/>
           </a:xfrm>
           <a:prstGeom prst="roundRect">
             <a:avLst>
@@ -20548,8 +20548,8 @@
         </p:nvSpPr>
         <p:spPr>
           <a:xfrm rot="16200000">
-            <a:off x="614880" y="919800"/>
-            <a:ext cx="3231000" cy="3312720"/>
+            <a:off x="614880" y="920160"/>
+            <a:ext cx="3230640" cy="3312360"/>
           </a:xfrm>
           <a:prstGeom prst="roundRect">
             <a:avLst>
@@ -20615,7 +20615,7 @@
         <p:spPr>
           <a:xfrm>
             <a:off x="4214160" y="456120"/>
-            <a:ext cx="4110840" cy="854280"/>
+            <a:ext cx="4110480" cy="853920"/>
           </a:xfrm>
           <a:prstGeom prst="rect">
             <a:avLst/>
@@ -20704,7 +20704,7 @@
         <p:spPr>
           <a:xfrm>
             <a:off x="4222080" y="1246680"/>
-            <a:ext cx="4114080" cy="3598920"/>
+            <a:ext cx="4113720" cy="3598560"/>
           </a:xfrm>
           <a:prstGeom prst="rect">
             <a:avLst/>
@@ -20755,8 +20755,8 @@
         </p:nvSpPr>
         <p:spPr>
           <a:xfrm rot="16200000">
-            <a:off x="-2181600" y="1734480"/>
-            <a:ext cx="5142960" cy="1683000"/>
+            <a:off x="-2181600" y="1734840"/>
+            <a:ext cx="5142600" cy="1682640"/>
           </a:xfrm>
           <a:prstGeom prst="roundRect">
             <a:avLst>
@@ -20793,8 +20793,8 @@
         </p:nvSpPr>
         <p:spPr>
           <a:xfrm rot="2745000">
-            <a:off x="8575200" y="102960"/>
-            <a:ext cx="1131480" cy="1131120"/>
+            <a:off x="8575200" y="102600"/>
+            <a:ext cx="1131120" cy="1130760"/>
           </a:xfrm>
           <a:prstGeom prst="roundRect">
             <a:avLst>
@@ -20831,8 +20831,8 @@
         </p:nvSpPr>
         <p:spPr>
           <a:xfrm rot="16200000">
-            <a:off x="614880" y="919800"/>
-            <a:ext cx="3231000" cy="3312720"/>
+            <a:off x="614880" y="920160"/>
+            <a:ext cx="3230640" cy="3312360"/>
           </a:xfrm>
           <a:prstGeom prst="roundRect">
             <a:avLst>
@@ -20898,7 +20898,7 @@
         <p:spPr>
           <a:xfrm>
             <a:off x="4214160" y="456120"/>
-            <a:ext cx="4110840" cy="854280"/>
+            <a:ext cx="4110480" cy="853920"/>
           </a:xfrm>
           <a:prstGeom prst="rect">
             <a:avLst/>
@@ -20986,8 +20986,8 @@
         </p:nvSpPr>
         <p:spPr>
           <a:xfrm rot="2744400">
-            <a:off x="-279720" y="-25560"/>
-            <a:ext cx="703440" cy="703080"/>
+            <a:off x="-279360" y="-25560"/>
+            <a:ext cx="703080" cy="702720"/>
           </a:xfrm>
           <a:prstGeom prst="roundRect">
             <a:avLst>
@@ -21024,8 +21024,8 @@
         </p:nvSpPr>
         <p:spPr>
           <a:xfrm rot="2332200">
-            <a:off x="6009120" y="-319680"/>
-            <a:ext cx="4854600" cy="7725600"/>
+            <a:off x="6009120" y="-319320"/>
+            <a:ext cx="4854240" cy="7725240"/>
           </a:xfrm>
           <a:prstGeom prst="roundRect">
             <a:avLst>
@@ -21063,9 +21063,9 @@
         <p:grpSpPr>
           <a:xfrm>
             <a:off x="4571640" y="828000"/>
-            <a:ext cx="4467240" cy="3563280"/>
+            <a:ext cx="4466880" cy="3562920"/>
             <a:chOff x="4571640" y="828000"/>
-            <a:chExt cx="4467240" cy="3563280"/>
+            <a:chExt cx="4466880" cy="3562920"/>
           </a:xfrm>
         </p:grpSpPr>
         <p:pic>
@@ -21081,7 +21081,7 @@
           <p:spPr>
             <a:xfrm>
               <a:off x="4571640" y="828000"/>
-              <a:ext cx="4467240" cy="3563280"/>
+              <a:ext cx="4466880" cy="3562920"/>
             </a:xfrm>
             <a:prstGeom prst="rect">
               <a:avLst/>
@@ -21099,8 +21099,8 @@
           </p:nvSpPr>
           <p:spPr>
             <a:xfrm rot="16200000">
-              <a:off x="5962680" y="1159920"/>
-              <a:ext cx="1736280" cy="2770200"/>
+              <a:off x="5962680" y="1160280"/>
+              <a:ext cx="1735920" cy="2769840"/>
             </a:xfrm>
             <a:prstGeom prst="roundRect">
               <a:avLst>
@@ -21167,7 +21167,7 @@
         <p:spPr>
           <a:xfrm>
             <a:off x="5446080" y="1672200"/>
-            <a:ext cx="2769840" cy="1736280"/>
+            <a:ext cx="2769480" cy="1735920"/>
           </a:xfrm>
           <a:prstGeom prst="rect">
             <a:avLst/>
@@ -21219,7 +21219,7 @@
         <p:spPr>
           <a:xfrm>
             <a:off x="586440" y="1246680"/>
-            <a:ext cx="4003200" cy="3598920"/>
+            <a:ext cx="4002840" cy="3598560"/>
           </a:xfrm>
           <a:prstGeom prst="rect">
             <a:avLst/>
@@ -21271,7 +21271,7 @@
         <p:spPr>
           <a:xfrm>
             <a:off x="586440" y="453960"/>
-            <a:ext cx="4763160" cy="854280"/>
+            <a:ext cx="4762800" cy="853920"/>
           </a:xfrm>
           <a:prstGeom prst="rect">
             <a:avLst/>
@@ -21359,8 +21359,8 @@
         </p:nvSpPr>
         <p:spPr>
           <a:xfrm rot="2745600">
-            <a:off x="8349840" y="-667800"/>
-            <a:ext cx="1497240" cy="1497240"/>
+            <a:off x="8350200" y="-667800"/>
+            <a:ext cx="1496880" cy="1496880"/>
           </a:xfrm>
           <a:prstGeom prst="roundRect">
             <a:avLst>
@@ -21397,8 +21397,8 @@
         </p:nvSpPr>
         <p:spPr>
           <a:xfrm rot="2745600">
-            <a:off x="7634160" y="-322200"/>
-            <a:ext cx="806040" cy="806400"/>
+            <a:off x="7634160" y="-321840"/>
+            <a:ext cx="805680" cy="806040"/>
           </a:xfrm>
           <a:prstGeom prst="roundRect">
             <a:avLst>
@@ -21437,7 +21437,7 @@
         <p:spPr>
           <a:xfrm>
             <a:off x="586440" y="899640"/>
-            <a:ext cx="7930800" cy="1536120"/>
+            <a:ext cx="7930440" cy="1535760"/>
           </a:xfrm>
           <a:prstGeom prst="rect">
             <a:avLst/>
@@ -21489,7 +21489,7 @@
         <p:spPr>
           <a:xfrm>
             <a:off x="608040" y="2545560"/>
-            <a:ext cx="3711240" cy="2254680"/>
+            <a:ext cx="3710880" cy="2254320"/>
           </a:xfrm>
           <a:prstGeom prst="rect">
             <a:avLst/>
@@ -21541,7 +21541,7 @@
         <p:spPr>
           <a:xfrm>
             <a:off x="4806360" y="2545560"/>
-            <a:ext cx="3711240" cy="2254680"/>
+            <a:ext cx="3710880" cy="2254320"/>
           </a:xfrm>
           <a:prstGeom prst="rect">
             <a:avLst/>
@@ -21593,7 +21593,7 @@
         <p:spPr>
           <a:xfrm>
             <a:off x="583200" y="450720"/>
-            <a:ext cx="7197120" cy="511200"/>
+            <a:ext cx="7196760" cy="510840"/>
           </a:xfrm>
           <a:prstGeom prst="rect">
             <a:avLst/>
@@ -21675,7 +21675,7 @@
         <p:spPr>
           <a:xfrm>
             <a:off x="586440" y="1246680"/>
-            <a:ext cx="4003200" cy="3598920"/>
+            <a:ext cx="4002840" cy="3598560"/>
           </a:xfrm>
           <a:prstGeom prst="rect">
             <a:avLst/>
@@ -21727,7 +21727,7 @@
         <p:spPr>
           <a:xfrm>
             <a:off x="559800" y="446040"/>
-            <a:ext cx="4282560" cy="682560"/>
+            <a:ext cx="4282200" cy="682200"/>
           </a:xfrm>
           <a:prstGeom prst="rect">
             <a:avLst/>
@@ -21779,7 +21779,7 @@
         <p:spPr>
           <a:xfrm>
             <a:off x="5097600" y="360"/>
-            <a:ext cx="4378680" cy="5142960"/>
+            <a:ext cx="4378320" cy="5142600"/>
           </a:xfrm>
           <a:prstGeom prst="roundRect">
             <a:avLst>
@@ -21844,8 +21844,8 @@
         </p:nvSpPr>
         <p:spPr>
           <a:xfrm rot="2744400">
-            <a:off x="-279720" y="-25560"/>
-            <a:ext cx="703440" cy="703080"/>
+            <a:off x="-279360" y="-25560"/>
+            <a:ext cx="703080" cy="702720"/>
           </a:xfrm>
           <a:prstGeom prst="roundRect">
             <a:avLst>
@@ -21882,8 +21882,8 @@
         </p:nvSpPr>
         <p:spPr>
           <a:xfrm rot="2625600">
-            <a:off x="4861080" y="4146120"/>
-            <a:ext cx="467280" cy="467280"/>
+            <a:off x="4861080" y="4145760"/>
+            <a:ext cx="466920" cy="466920"/>
           </a:xfrm>
           <a:prstGeom prst="roundRect">
             <a:avLst>
@@ -21957,8 +21957,8 @@
         </p:nvSpPr>
         <p:spPr>
           <a:xfrm rot="2744400">
-            <a:off x="-348840" y="4539240"/>
-            <a:ext cx="703440" cy="703080"/>
+            <a:off x="-348480" y="4538880"/>
+            <a:ext cx="703080" cy="702720"/>
           </a:xfrm>
           <a:prstGeom prst="roundRect">
             <a:avLst>
@@ -21995,8 +21995,8 @@
         </p:nvSpPr>
         <p:spPr>
           <a:xfrm rot="19228200">
-            <a:off x="5845680" y="-2265480"/>
-            <a:ext cx="4854240" cy="7725240"/>
+            <a:off x="5845320" y="-2265120"/>
+            <a:ext cx="4853880" cy="7724880"/>
           </a:xfrm>
           <a:prstGeom prst="roundRect">
             <a:avLst>
@@ -22034,9 +22034,9 @@
         <p:grpSpPr>
           <a:xfrm>
             <a:off x="4571640" y="828000"/>
-            <a:ext cx="4467240" cy="3563280"/>
+            <a:ext cx="4466880" cy="3562920"/>
             <a:chOff x="4571640" y="828000"/>
-            <a:chExt cx="4467240" cy="3563280"/>
+            <a:chExt cx="4466880" cy="3562920"/>
           </a:xfrm>
         </p:grpSpPr>
         <p:pic>
@@ -22052,7 +22052,7 @@
           <p:spPr>
             <a:xfrm>
               <a:off x="4571640" y="828000"/>
-              <a:ext cx="4467240" cy="3563280"/>
+              <a:ext cx="4466880" cy="3562920"/>
             </a:xfrm>
             <a:prstGeom prst="rect">
               <a:avLst/>
@@ -22070,8 +22070,8 @@
           </p:nvSpPr>
           <p:spPr>
             <a:xfrm rot="16200000">
-              <a:off x="5962680" y="1159920"/>
-              <a:ext cx="1736280" cy="2770200"/>
+              <a:off x="5962680" y="1160280"/>
+              <a:ext cx="1735920" cy="2769840"/>
             </a:xfrm>
             <a:prstGeom prst="roundRect">
               <a:avLst>
@@ -22138,7 +22138,7 @@
         <p:spPr>
           <a:xfrm>
             <a:off x="586440" y="1246680"/>
-            <a:ext cx="4003200" cy="3598920"/>
+            <a:ext cx="4002840" cy="3598560"/>
           </a:xfrm>
           <a:prstGeom prst="rect">
             <a:avLst/>
@@ -22190,7 +22190,7 @@
         <p:spPr>
           <a:xfrm>
             <a:off x="5446080" y="1672200"/>
-            <a:ext cx="2779200" cy="1736280"/>
+            <a:ext cx="2778840" cy="1735920"/>
           </a:xfrm>
           <a:prstGeom prst="rect">
             <a:avLst/>
@@ -22242,7 +22242,7 @@
         <p:spPr>
           <a:xfrm>
             <a:off x="586440" y="453960"/>
-            <a:ext cx="3695760" cy="854280"/>
+            <a:ext cx="3695400" cy="853920"/>
           </a:xfrm>
           <a:prstGeom prst="rect">
             <a:avLst/>
@@ -22331,7 +22331,7 @@
         <p:spPr>
           <a:xfrm>
             <a:off x="4222080" y="1246680"/>
-            <a:ext cx="4114080" cy="3598920"/>
+            <a:ext cx="4113720" cy="3598560"/>
           </a:xfrm>
           <a:prstGeom prst="rect">
             <a:avLst/>
@@ -22382,8 +22382,8 @@
         </p:nvSpPr>
         <p:spPr>
           <a:xfrm rot="16200000">
-            <a:off x="-2181600" y="1734480"/>
-            <a:ext cx="5142960" cy="1683000"/>
+            <a:off x="-2181600" y="1734840"/>
+            <a:ext cx="5142600" cy="1682640"/>
           </a:xfrm>
           <a:prstGeom prst="roundRect">
             <a:avLst>
@@ -22420,8 +22420,8 @@
         </p:nvSpPr>
         <p:spPr>
           <a:xfrm rot="2745000">
-            <a:off x="8575200" y="102960"/>
-            <a:ext cx="1131480" cy="1131120"/>
+            <a:off x="8575200" y="102600"/>
+            <a:ext cx="1131120" cy="1130760"/>
           </a:xfrm>
           <a:prstGeom prst="roundRect">
             <a:avLst>
@@ -22458,8 +22458,8 @@
         </p:nvSpPr>
         <p:spPr>
           <a:xfrm rot="16200000">
-            <a:off x="614880" y="919800"/>
-            <a:ext cx="3231000" cy="3312720"/>
+            <a:off x="614880" y="920160"/>
+            <a:ext cx="3230640" cy="3312360"/>
           </a:xfrm>
           <a:prstGeom prst="roundRect">
             <a:avLst>
@@ -22525,7 +22525,7 @@
         <p:spPr>
           <a:xfrm>
             <a:off x="4214160" y="456120"/>
-            <a:ext cx="4110840" cy="854280"/>
+            <a:ext cx="4110480" cy="853920"/>
           </a:xfrm>
           <a:prstGeom prst="rect">
             <a:avLst/>
@@ -22613,8 +22613,8 @@
         </p:nvSpPr>
         <p:spPr>
           <a:xfrm rot="2744400">
-            <a:off x="-279720" y="-25560"/>
-            <a:ext cx="703440" cy="703080"/>
+            <a:off x="-279360" y="-25560"/>
+            <a:ext cx="703080" cy="702720"/>
           </a:xfrm>
           <a:prstGeom prst="roundRect">
             <a:avLst>
@@ -22651,8 +22651,8 @@
         </p:nvSpPr>
         <p:spPr>
           <a:xfrm rot="2332200">
-            <a:off x="6009120" y="-319680"/>
-            <a:ext cx="4854600" cy="7725600"/>
+            <a:off x="6009120" y="-319320"/>
+            <a:ext cx="4854240" cy="7725240"/>
           </a:xfrm>
           <a:prstGeom prst="roundRect">
             <a:avLst>
@@ -22690,9 +22690,9 @@
         <p:grpSpPr>
           <a:xfrm>
             <a:off x="4571640" y="828000"/>
-            <a:ext cx="4467240" cy="3563280"/>
+            <a:ext cx="4466880" cy="3562920"/>
             <a:chOff x="4571640" y="828000"/>
-            <a:chExt cx="4467240" cy="3563280"/>
+            <a:chExt cx="4466880" cy="3562920"/>
           </a:xfrm>
         </p:grpSpPr>
         <p:pic>
@@ -22708,7 +22708,7 @@
           <p:spPr>
             <a:xfrm>
               <a:off x="4571640" y="828000"/>
-              <a:ext cx="4467240" cy="3563280"/>
+              <a:ext cx="4466880" cy="3562920"/>
             </a:xfrm>
             <a:prstGeom prst="rect">
               <a:avLst/>
@@ -22726,8 +22726,8 @@
           </p:nvSpPr>
           <p:spPr>
             <a:xfrm rot="16200000">
-              <a:off x="5962680" y="1159920"/>
-              <a:ext cx="1736280" cy="2770200"/>
+              <a:off x="5962680" y="1160280"/>
+              <a:ext cx="1735920" cy="2769840"/>
             </a:xfrm>
             <a:prstGeom prst="roundRect">
               <a:avLst>
@@ -22794,7 +22794,7 @@
         <p:spPr>
           <a:xfrm>
             <a:off x="5446080" y="1672200"/>
-            <a:ext cx="2769840" cy="1736280"/>
+            <a:ext cx="2769480" cy="1735920"/>
           </a:xfrm>
           <a:prstGeom prst="rect">
             <a:avLst/>
@@ -22846,7 +22846,7 @@
         <p:spPr>
           <a:xfrm>
             <a:off x="586440" y="1246680"/>
-            <a:ext cx="4003200" cy="3598920"/>
+            <a:ext cx="4002840" cy="3598560"/>
           </a:xfrm>
           <a:prstGeom prst="rect">
             <a:avLst/>
@@ -22898,7 +22898,7 @@
         <p:spPr>
           <a:xfrm>
             <a:off x="586440" y="453960"/>
-            <a:ext cx="4763160" cy="854280"/>
+            <a:ext cx="4762800" cy="853920"/>
           </a:xfrm>
           <a:prstGeom prst="rect">
             <a:avLst/>
@@ -22986,8 +22986,8 @@
         </p:nvSpPr>
         <p:spPr>
           <a:xfrm rot="2745600">
-            <a:off x="8349840" y="-667800"/>
-            <a:ext cx="1497240" cy="1497240"/>
+            <a:off x="8350200" y="-667800"/>
+            <a:ext cx="1496880" cy="1496880"/>
           </a:xfrm>
           <a:prstGeom prst="roundRect">
             <a:avLst>
@@ -23024,8 +23024,8 @@
         </p:nvSpPr>
         <p:spPr>
           <a:xfrm rot="2745600">
-            <a:off x="7634160" y="-322200"/>
-            <a:ext cx="806040" cy="806400"/>
+            <a:off x="7634160" y="-321840"/>
+            <a:ext cx="805680" cy="806040"/>
           </a:xfrm>
           <a:prstGeom prst="roundRect">
             <a:avLst>
@@ -23064,7 +23064,7 @@
         <p:spPr>
           <a:xfrm>
             <a:off x="586440" y="899640"/>
-            <a:ext cx="7930800" cy="1536120"/>
+            <a:ext cx="7930440" cy="1535760"/>
           </a:xfrm>
           <a:prstGeom prst="rect">
             <a:avLst/>
@@ -23116,7 +23116,7 @@
         <p:spPr>
           <a:xfrm>
             <a:off x="608040" y="2545560"/>
-            <a:ext cx="3711240" cy="2254680"/>
+            <a:ext cx="3710880" cy="2254320"/>
           </a:xfrm>
           <a:prstGeom prst="rect">
             <a:avLst/>
@@ -23168,7 +23168,7 @@
         <p:spPr>
           <a:xfrm>
             <a:off x="4806360" y="2545560"/>
-            <a:ext cx="3711240" cy="2254680"/>
+            <a:ext cx="3710880" cy="2254320"/>
           </a:xfrm>
           <a:prstGeom prst="rect">
             <a:avLst/>
@@ -23220,7 +23220,7 @@
         <p:spPr>
           <a:xfrm>
             <a:off x="583200" y="450720"/>
-            <a:ext cx="7197120" cy="511200"/>
+            <a:ext cx="7196760" cy="510840"/>
           </a:xfrm>
           <a:prstGeom prst="rect">
             <a:avLst/>
@@ -23302,7 +23302,7 @@
         <p:spPr>
           <a:xfrm>
             <a:off x="586440" y="1246680"/>
-            <a:ext cx="4003200" cy="3598920"/>
+            <a:ext cx="4002840" cy="3598560"/>
           </a:xfrm>
           <a:prstGeom prst="rect">
             <a:avLst/>
@@ -23354,7 +23354,7 @@
         <p:spPr>
           <a:xfrm>
             <a:off x="559800" y="446040"/>
-            <a:ext cx="4282560" cy="682560"/>
+            <a:ext cx="4282200" cy="682200"/>
           </a:xfrm>
           <a:prstGeom prst="rect">
             <a:avLst/>
@@ -23406,7 +23406,7 @@
         <p:spPr>
           <a:xfrm>
             <a:off x="5097600" y="360"/>
-            <a:ext cx="4378680" cy="5142960"/>
+            <a:ext cx="4378320" cy="5142600"/>
           </a:xfrm>
           <a:prstGeom prst="roundRect">
             <a:avLst>
@@ -23471,8 +23471,8 @@
         </p:nvSpPr>
         <p:spPr>
           <a:xfrm rot="2744400">
-            <a:off x="-279720" y="-25560"/>
-            <a:ext cx="703440" cy="703080"/>
+            <a:off x="-279360" y="-25560"/>
+            <a:ext cx="703080" cy="702720"/>
           </a:xfrm>
           <a:prstGeom prst="roundRect">
             <a:avLst>
@@ -23509,8 +23509,8 @@
         </p:nvSpPr>
         <p:spPr>
           <a:xfrm rot="2625600">
-            <a:off x="4861080" y="4146120"/>
-            <a:ext cx="467280" cy="467280"/>
+            <a:off x="4861080" y="4145760"/>
+            <a:ext cx="466920" cy="466920"/>
           </a:xfrm>
           <a:prstGeom prst="roundRect">
             <a:avLst>
@@ -23584,8 +23584,8 @@
         </p:nvSpPr>
         <p:spPr>
           <a:xfrm rot="2744400">
-            <a:off x="-279720" y="-25560"/>
-            <a:ext cx="703440" cy="703080"/>
+            <a:off x="-279360" y="-25560"/>
+            <a:ext cx="703080" cy="702720"/>
           </a:xfrm>
           <a:prstGeom prst="roundRect">
             <a:avLst>
@@ -23623,7 +23623,7 @@
         <p:spPr>
           <a:xfrm>
             <a:off x="569160" y="1888920"/>
-            <a:ext cx="4820040" cy="820800"/>
+            <a:ext cx="4819680" cy="820800"/>
           </a:xfrm>
           <a:prstGeom prst="rect">
             <a:avLst/>
@@ -23674,8 +23674,8 @@
         </p:nvSpPr>
         <p:spPr>
           <a:xfrm rot="18679800">
-            <a:off x="6781680" y="457920"/>
-            <a:ext cx="6249600" cy="4665240"/>
+            <a:off x="6781320" y="457920"/>
+            <a:ext cx="6249240" cy="4664880"/>
           </a:xfrm>
           <a:prstGeom prst="roundRect">
             <a:avLst>
@@ -23712,8 +23712,8 @@
         </p:nvSpPr>
         <p:spPr>
           <a:xfrm rot="2625600">
-            <a:off x="6024960" y="4332240"/>
-            <a:ext cx="467280" cy="467280"/>
+            <a:off x="6024960" y="4331880"/>
+            <a:ext cx="466920" cy="466920"/>
           </a:xfrm>
           <a:prstGeom prst="roundRect">
             <a:avLst>
@@ -23751,7 +23751,7 @@
         <p:spPr>
           <a:xfrm>
             <a:off x="1640880" y="4592880"/>
-            <a:ext cx="2994480" cy="265320"/>
+            <a:ext cx="2994120" cy="264960"/>
           </a:xfrm>
           <a:prstGeom prst="rect">
             <a:avLst/>
@@ -23813,7 +23813,7 @@
         <p:spPr>
           <a:xfrm>
             <a:off x="867240" y="3590280"/>
-            <a:ext cx="252360" cy="252720"/>
+            <a:ext cx="252000" cy="252360"/>
           </a:xfrm>
           <a:prstGeom prst="ellipse">
             <a:avLst/>
@@ -23848,7 +23848,7 @@
         <p:spPr>
           <a:xfrm>
             <a:off x="351000" y="3793320"/>
-            <a:ext cx="1284840" cy="1130400"/>
+            <a:ext cx="1284480" cy="1130040"/>
           </a:xfrm>
           <a:prstGeom prst="rect">
             <a:avLst/>
@@ -23903,8 +23903,8 @@
         </p:nvSpPr>
         <p:spPr>
           <a:xfrm rot="2744400">
-            <a:off x="-279720" y="-25560"/>
-            <a:ext cx="703440" cy="703080"/>
+            <a:off x="-279360" y="-25560"/>
+            <a:ext cx="703080" cy="702720"/>
           </a:xfrm>
           <a:prstGeom prst="roundRect">
             <a:avLst>
@@ -23941,8 +23941,8 @@
         </p:nvSpPr>
         <p:spPr>
           <a:xfrm rot="2332200">
-            <a:off x="6009120" y="-319680"/>
-            <a:ext cx="4854600" cy="7725600"/>
+            <a:off x="6009120" y="-319320"/>
+            <a:ext cx="4854240" cy="7725240"/>
           </a:xfrm>
           <a:prstGeom prst="roundRect">
             <a:avLst>
@@ -23980,9 +23980,9 @@
         <p:grpSpPr>
           <a:xfrm>
             <a:off x="4571640" y="828000"/>
-            <a:ext cx="4467240" cy="3563280"/>
+            <a:ext cx="4466880" cy="3562920"/>
             <a:chOff x="4571640" y="828000"/>
-            <a:chExt cx="4467240" cy="3563280"/>
+            <a:chExt cx="4466880" cy="3562920"/>
           </a:xfrm>
         </p:grpSpPr>
         <p:pic>
@@ -23998,7 +23998,7 @@
           <p:spPr>
             <a:xfrm>
               <a:off x="4571640" y="828000"/>
-              <a:ext cx="4467240" cy="3563280"/>
+              <a:ext cx="4466880" cy="3562920"/>
             </a:xfrm>
             <a:prstGeom prst="rect">
               <a:avLst/>
@@ -24016,8 +24016,8 @@
           </p:nvSpPr>
           <p:spPr>
             <a:xfrm rot="16200000">
-              <a:off x="5962680" y="1159920"/>
-              <a:ext cx="1736280" cy="2770200"/>
+              <a:off x="5962680" y="1160280"/>
+              <a:ext cx="1735920" cy="2769840"/>
             </a:xfrm>
             <a:prstGeom prst="roundRect">
               <a:avLst>
@@ -24084,7 +24084,7 @@
         <p:spPr>
           <a:xfrm>
             <a:off x="5446080" y="1672200"/>
-            <a:ext cx="2769840" cy="1736280"/>
+            <a:ext cx="2769480" cy="1735920"/>
           </a:xfrm>
           <a:prstGeom prst="rect">
             <a:avLst/>
@@ -24136,7 +24136,7 @@
         <p:spPr>
           <a:xfrm>
             <a:off x="586440" y="1246680"/>
-            <a:ext cx="4003200" cy="3598920"/>
+            <a:ext cx="4002840" cy="3598560"/>
           </a:xfrm>
           <a:prstGeom prst="rect">
             <a:avLst/>
@@ -24188,7 +24188,7 @@
         <p:spPr>
           <a:xfrm>
             <a:off x="586440" y="453960"/>
-            <a:ext cx="4763160" cy="854280"/>
+            <a:ext cx="4762800" cy="853920"/>
           </a:xfrm>
           <a:prstGeom prst="rect">
             <a:avLst/>
@@ -24276,8 +24276,8 @@
         </p:nvSpPr>
         <p:spPr>
           <a:xfrm rot="2745600">
-            <a:off x="8349840" y="-667800"/>
-            <a:ext cx="1497240" cy="1497240"/>
+            <a:off x="8350200" y="-667800"/>
+            <a:ext cx="1496880" cy="1496880"/>
           </a:xfrm>
           <a:prstGeom prst="roundRect">
             <a:avLst>
@@ -24314,8 +24314,8 @@
         </p:nvSpPr>
         <p:spPr>
           <a:xfrm rot="2745600">
-            <a:off x="7634160" y="-322200"/>
-            <a:ext cx="806040" cy="806400"/>
+            <a:off x="7634160" y="-321840"/>
+            <a:ext cx="805680" cy="806040"/>
           </a:xfrm>
           <a:prstGeom prst="roundRect">
             <a:avLst>
@@ -24354,7 +24354,7 @@
         <p:spPr>
           <a:xfrm>
             <a:off x="586440" y="899640"/>
-            <a:ext cx="7930800" cy="1536120"/>
+            <a:ext cx="7930440" cy="1535760"/>
           </a:xfrm>
           <a:prstGeom prst="rect">
             <a:avLst/>
@@ -24406,7 +24406,7 @@
         <p:spPr>
           <a:xfrm>
             <a:off x="608040" y="2545560"/>
-            <a:ext cx="3711240" cy="2254680"/>
+            <a:ext cx="3710880" cy="2254320"/>
           </a:xfrm>
           <a:prstGeom prst="rect">
             <a:avLst/>
@@ -24458,7 +24458,7 @@
         <p:spPr>
           <a:xfrm>
             <a:off x="4806360" y="2545560"/>
-            <a:ext cx="3711240" cy="2254680"/>
+            <a:ext cx="3710880" cy="2254320"/>
           </a:xfrm>
           <a:prstGeom prst="rect">
             <a:avLst/>
@@ -24510,7 +24510,7 @@
         <p:spPr>
           <a:xfrm>
             <a:off x="583200" y="450720"/>
-            <a:ext cx="7197120" cy="511200"/>
+            <a:ext cx="7196760" cy="510840"/>
           </a:xfrm>
           <a:prstGeom prst="rect">
             <a:avLst/>
@@ -24592,7 +24592,7 @@
         <p:spPr>
           <a:xfrm>
             <a:off x="586440" y="1246680"/>
-            <a:ext cx="4003200" cy="3598920"/>
+            <a:ext cx="4002840" cy="3598560"/>
           </a:xfrm>
           <a:prstGeom prst="rect">
             <a:avLst/>
@@ -24644,7 +24644,7 @@
         <p:spPr>
           <a:xfrm>
             <a:off x="559800" y="446040"/>
-            <a:ext cx="4282560" cy="682560"/>
+            <a:ext cx="4282200" cy="682200"/>
           </a:xfrm>
           <a:prstGeom prst="rect">
             <a:avLst/>
@@ -24696,7 +24696,7 @@
         <p:spPr>
           <a:xfrm>
             <a:off x="5097600" y="360"/>
-            <a:ext cx="4378680" cy="5142960"/>
+            <a:ext cx="4378320" cy="5142600"/>
           </a:xfrm>
           <a:prstGeom prst="roundRect">
             <a:avLst>
@@ -24761,8 +24761,8 @@
         </p:nvSpPr>
         <p:spPr>
           <a:xfrm rot="2744400">
-            <a:off x="-279720" y="-25560"/>
-            <a:ext cx="703440" cy="703080"/>
+            <a:off x="-279360" y="-25560"/>
+            <a:ext cx="703080" cy="702720"/>
           </a:xfrm>
           <a:prstGeom prst="roundRect">
             <a:avLst>
@@ -24799,8 +24799,8 @@
         </p:nvSpPr>
         <p:spPr>
           <a:xfrm rot="2625600">
-            <a:off x="4861080" y="4146120"/>
-            <a:ext cx="467280" cy="467280"/>
+            <a:off x="4861080" y="4145760"/>
+            <a:ext cx="466920" cy="466920"/>
           </a:xfrm>
           <a:prstGeom prst="roundRect">
             <a:avLst>
@@ -24874,8 +24874,8 @@
         </p:nvSpPr>
         <p:spPr>
           <a:xfrm rot="2744400">
-            <a:off x="-348840" y="4539240"/>
-            <a:ext cx="703440" cy="703080"/>
+            <a:off x="-348480" y="4538880"/>
+            <a:ext cx="703080" cy="702720"/>
           </a:xfrm>
           <a:prstGeom prst="roundRect">
             <a:avLst>
@@ -24912,8 +24912,8 @@
         </p:nvSpPr>
         <p:spPr>
           <a:xfrm rot="19228200">
-            <a:off x="5845680" y="-2265480"/>
-            <a:ext cx="4854240" cy="7725240"/>
+            <a:off x="5845320" y="-2265120"/>
+            <a:ext cx="4853880" cy="7724880"/>
           </a:xfrm>
           <a:prstGeom prst="roundRect">
             <a:avLst>
@@ -24951,9 +24951,9 @@
         <p:grpSpPr>
           <a:xfrm>
             <a:off x="4571640" y="828000"/>
-            <a:ext cx="4467240" cy="3563280"/>
+            <a:ext cx="4466880" cy="3562920"/>
             <a:chOff x="4571640" y="828000"/>
-            <a:chExt cx="4467240" cy="3563280"/>
+            <a:chExt cx="4466880" cy="3562920"/>
           </a:xfrm>
         </p:grpSpPr>
         <p:pic>
@@ -24969,7 +24969,7 @@
           <p:spPr>
             <a:xfrm>
               <a:off x="4571640" y="828000"/>
-              <a:ext cx="4467240" cy="3563280"/>
+              <a:ext cx="4466880" cy="3562920"/>
             </a:xfrm>
             <a:prstGeom prst="rect">
               <a:avLst/>
@@ -24987,8 +24987,8 @@
           </p:nvSpPr>
           <p:spPr>
             <a:xfrm rot="16200000">
-              <a:off x="5962680" y="1159920"/>
-              <a:ext cx="1736280" cy="2770200"/>
+              <a:off x="5962680" y="1160280"/>
+              <a:ext cx="1735920" cy="2769840"/>
             </a:xfrm>
             <a:prstGeom prst="roundRect">
               <a:avLst>
@@ -25055,7 +25055,7 @@
         <p:spPr>
           <a:xfrm>
             <a:off x="586440" y="1246680"/>
-            <a:ext cx="4003200" cy="3598920"/>
+            <a:ext cx="4002840" cy="3598560"/>
           </a:xfrm>
           <a:prstGeom prst="rect">
             <a:avLst/>
@@ -25107,7 +25107,7 @@
         <p:spPr>
           <a:xfrm>
             <a:off x="5446080" y="1672200"/>
-            <a:ext cx="2779200" cy="1736280"/>
+            <a:ext cx="2778840" cy="1735920"/>
           </a:xfrm>
           <a:prstGeom prst="rect">
             <a:avLst/>
@@ -25159,7 +25159,7 @@
         <p:spPr>
           <a:xfrm>
             <a:off x="586440" y="453960"/>
-            <a:ext cx="3695760" cy="854280"/>
+            <a:ext cx="3695400" cy="853920"/>
           </a:xfrm>
           <a:prstGeom prst="rect">
             <a:avLst/>
@@ -25248,7 +25248,7 @@
         <p:spPr>
           <a:xfrm>
             <a:off x="4222080" y="1246680"/>
-            <a:ext cx="4114080" cy="3598920"/>
+            <a:ext cx="4113720" cy="3598560"/>
           </a:xfrm>
           <a:prstGeom prst="rect">
             <a:avLst/>
@@ -25299,8 +25299,8 @@
         </p:nvSpPr>
         <p:spPr>
           <a:xfrm rot="16200000">
-            <a:off x="-2181600" y="1734480"/>
-            <a:ext cx="5142960" cy="1683000"/>
+            <a:off x="-2181600" y="1734840"/>
+            <a:ext cx="5142600" cy="1682640"/>
           </a:xfrm>
           <a:prstGeom prst="roundRect">
             <a:avLst>
@@ -25337,8 +25337,8 @@
         </p:nvSpPr>
         <p:spPr>
           <a:xfrm rot="2745000">
-            <a:off x="8575200" y="102960"/>
-            <a:ext cx="1131480" cy="1131120"/>
+            <a:off x="8575200" y="102600"/>
+            <a:ext cx="1131120" cy="1130760"/>
           </a:xfrm>
           <a:prstGeom prst="roundRect">
             <a:avLst>
@@ -25375,8 +25375,8 @@
         </p:nvSpPr>
         <p:spPr>
           <a:xfrm rot="16200000">
-            <a:off x="614880" y="919800"/>
-            <a:ext cx="3231000" cy="3312720"/>
+            <a:off x="614880" y="920160"/>
+            <a:ext cx="3230640" cy="3312360"/>
           </a:xfrm>
           <a:prstGeom prst="roundRect">
             <a:avLst>
@@ -25442,7 +25442,7 @@
         <p:spPr>
           <a:xfrm>
             <a:off x="4214160" y="456120"/>
-            <a:ext cx="4110840" cy="854280"/>
+            <a:ext cx="4110480" cy="853920"/>
           </a:xfrm>
           <a:prstGeom prst="rect">
             <a:avLst/>
